--- a/Figure-5-1/Figure51/Figure51_fullslide_169.pptx
+++ b/Figure-5-1/Figure51/Figure51_fullslide_169.pptx
@@ -853,6 +853,60 @@
             <a:r>
               <a:rPr/>
               <a:t>2020-21</a:t>
+            </a:r>
+          </a:p>
+          <a:p>
+            <a:pPr lvl="0" marL="0" indent="0">
+              <a:buNone/>
+            </a:pPr>
+          </a:p>
+          <a:p>
+            <a:pPr lvl="0" marL="0" indent="0">
+              <a:buNone/>
+            </a:pPr>
+            <a:r>
+              <a:rPr/>
+              <a:t>Source:</a:t>
+            </a:r>
+            <a:r>
+              <a:rPr/>
+              <a:t> </a:t>
+            </a:r>
+            <a:r>
+              <a:rPr/>
+              <a:t>ATO</a:t>
+            </a:r>
+            <a:r>
+              <a:rPr/>
+              <a:t> </a:t>
+            </a:r>
+            <a:r>
+              <a:rPr/>
+              <a:t>2017-18</a:t>
+            </a:r>
+            <a:r>
+              <a:rPr/>
+              <a:t> </a:t>
+            </a:r>
+            <a:r>
+              <a:rPr/>
+              <a:t>2%</a:t>
+            </a:r>
+            <a:r>
+              <a:rPr/>
+              <a:t> </a:t>
+            </a:r>
+            <a:r>
+              <a:rPr/>
+              <a:t>sample</a:t>
+            </a:r>
+            <a:r>
+              <a:rPr/>
+              <a:t> </a:t>
+            </a:r>
+            <a:r>
+              <a:rPr/>
+              <a:t>file</a:t>
             </a:r>
           </a:p>
           <a:p>
@@ -4200,8 +4254,8 @@
           </p:nvSpPr>
           <p:spPr>
             <a:xfrm>
-              <a:off x="3146383" y="1412776"/>
-              <a:ext cx="6208729" cy="5445224"/>
+              <a:off x="3300036" y="1412776"/>
+              <a:ext cx="5901422" cy="5445224"/>
             </a:xfrm>
             <a:prstGeom prst="rect">
               <a:avLst/>
@@ -4226,8 +4280,8 @@
           </p:nvSpPr>
           <p:spPr>
             <a:xfrm>
-              <a:off x="3205148" y="1504216"/>
-              <a:ext cx="5184901" cy="5184901"/>
+              <a:off x="3358802" y="1504215"/>
+              <a:ext cx="4877594" cy="4877594"/>
             </a:xfrm>
             <a:prstGeom prst="rect">
               <a:avLst/>
@@ -4252,195 +4306,195 @@
           </p:nvSpPr>
           <p:spPr>
             <a:xfrm>
-              <a:off x="5797599" y="2022706"/>
-              <a:ext cx="256914" cy="2073960"/>
+              <a:off x="5797599" y="1991975"/>
+              <a:ext cx="241687" cy="1951037"/>
             </a:xfrm>
             <a:custGeom>
               <a:avLst/>
               <a:pathLst>
-                <a:path w="256914" h="2073960">
+                <a:path w="241687" h="1951037">
                   <a:moveTo>
-                    <a:pt x="0" y="2073960"/>
+                    <a:pt x="0" y="1951037"/>
                   </a:moveTo>
                   <a:lnTo>
-                    <a:pt x="8859" y="2002995"/>
-                  </a:lnTo>
-                  <a:lnTo>
-                    <a:pt x="17718" y="1932030"/>
-                  </a:lnTo>
-                  <a:lnTo>
-                    <a:pt x="26577" y="1861065"/>
-                  </a:lnTo>
-                  <a:lnTo>
-                    <a:pt x="35436" y="1790100"/>
-                  </a:lnTo>
-                  <a:lnTo>
-                    <a:pt x="44295" y="1719135"/>
-                  </a:lnTo>
-                  <a:lnTo>
-                    <a:pt x="53154" y="1648170"/>
-                  </a:lnTo>
-                  <a:lnTo>
-                    <a:pt x="62013" y="1577205"/>
-                  </a:lnTo>
-                  <a:lnTo>
-                    <a:pt x="70873" y="1506240"/>
-                  </a:lnTo>
-                  <a:lnTo>
-                    <a:pt x="79732" y="1435275"/>
-                  </a:lnTo>
-                  <a:lnTo>
-                    <a:pt x="88591" y="1364310"/>
-                  </a:lnTo>
-                  <a:lnTo>
-                    <a:pt x="97450" y="1293345"/>
-                  </a:lnTo>
-                  <a:lnTo>
-                    <a:pt x="106309" y="1222380"/>
-                  </a:lnTo>
-                  <a:lnTo>
-                    <a:pt x="115168" y="1151415"/>
-                  </a:lnTo>
-                  <a:lnTo>
-                    <a:pt x="124027" y="1080450"/>
-                  </a:lnTo>
-                  <a:lnTo>
-                    <a:pt x="132886" y="1009484"/>
-                  </a:lnTo>
-                  <a:lnTo>
-                    <a:pt x="141746" y="938519"/>
-                  </a:lnTo>
-                  <a:lnTo>
-                    <a:pt x="150605" y="867554"/>
-                  </a:lnTo>
-                  <a:lnTo>
-                    <a:pt x="159464" y="796589"/>
-                  </a:lnTo>
-                  <a:lnTo>
-                    <a:pt x="168323" y="725624"/>
-                  </a:lnTo>
-                  <a:lnTo>
-                    <a:pt x="177182" y="654659"/>
-                  </a:lnTo>
-                  <a:lnTo>
-                    <a:pt x="186041" y="583694"/>
-                  </a:lnTo>
-                  <a:lnTo>
-                    <a:pt x="194900" y="512729"/>
-                  </a:lnTo>
-                  <a:lnTo>
-                    <a:pt x="203759" y="441764"/>
-                  </a:lnTo>
-                  <a:lnTo>
-                    <a:pt x="212619" y="370799"/>
-                  </a:lnTo>
-                  <a:lnTo>
-                    <a:pt x="221478" y="299834"/>
-                  </a:lnTo>
-                  <a:lnTo>
-                    <a:pt x="230337" y="228869"/>
-                  </a:lnTo>
-                  <a:lnTo>
-                    <a:pt x="239196" y="157904"/>
-                  </a:lnTo>
-                  <a:lnTo>
-                    <a:pt x="248055" y="86939"/>
-                  </a:lnTo>
-                  <a:lnTo>
-                    <a:pt x="256914" y="15974"/>
-                  </a:lnTo>
-                  <a:lnTo>
-                    <a:pt x="171521" y="7104"/>
-                  </a:lnTo>
-                  <a:lnTo>
-                    <a:pt x="85834" y="1776"/>
+                    <a:pt x="8334" y="1884278"/>
+                  </a:lnTo>
+                  <a:lnTo>
+                    <a:pt x="16668" y="1817519"/>
+                  </a:lnTo>
+                  <a:lnTo>
+                    <a:pt x="25002" y="1750760"/>
+                  </a:lnTo>
+                  <a:lnTo>
+                    <a:pt x="33336" y="1684001"/>
+                  </a:lnTo>
+                  <a:lnTo>
+                    <a:pt x="41670" y="1617243"/>
+                  </a:lnTo>
+                  <a:lnTo>
+                    <a:pt x="50004" y="1550484"/>
+                  </a:lnTo>
+                  <a:lnTo>
+                    <a:pt x="58338" y="1483725"/>
+                  </a:lnTo>
+                  <a:lnTo>
+                    <a:pt x="66672" y="1416966"/>
+                  </a:lnTo>
+                  <a:lnTo>
+                    <a:pt x="75006" y="1350207"/>
+                  </a:lnTo>
+                  <a:lnTo>
+                    <a:pt x="83340" y="1283448"/>
+                  </a:lnTo>
+                  <a:lnTo>
+                    <a:pt x="91674" y="1216689"/>
+                  </a:lnTo>
+                  <a:lnTo>
+                    <a:pt x="100008" y="1149930"/>
+                  </a:lnTo>
+                  <a:lnTo>
+                    <a:pt x="108342" y="1083171"/>
+                  </a:lnTo>
+                  <a:lnTo>
+                    <a:pt x="116676" y="1016412"/>
+                  </a:lnTo>
+                  <a:lnTo>
+                    <a:pt x="125010" y="949653"/>
+                  </a:lnTo>
+                  <a:lnTo>
+                    <a:pt x="133344" y="882894"/>
+                  </a:lnTo>
+                  <a:lnTo>
+                    <a:pt x="141678" y="816135"/>
+                  </a:lnTo>
+                  <a:lnTo>
+                    <a:pt x="150012" y="749376"/>
+                  </a:lnTo>
+                  <a:lnTo>
+                    <a:pt x="158346" y="682617"/>
+                  </a:lnTo>
+                  <a:lnTo>
+                    <a:pt x="166680" y="615858"/>
+                  </a:lnTo>
+                  <a:lnTo>
+                    <a:pt x="175015" y="549099"/>
+                  </a:lnTo>
+                  <a:lnTo>
+                    <a:pt x="183349" y="482340"/>
+                  </a:lnTo>
+                  <a:lnTo>
+                    <a:pt x="191683" y="415581"/>
+                  </a:lnTo>
+                  <a:lnTo>
+                    <a:pt x="200017" y="348822"/>
+                  </a:lnTo>
+                  <a:lnTo>
+                    <a:pt x="208351" y="282063"/>
+                  </a:lnTo>
+                  <a:lnTo>
+                    <a:pt x="216685" y="215304"/>
+                  </a:lnTo>
+                  <a:lnTo>
+                    <a:pt x="225019" y="148545"/>
+                  </a:lnTo>
+                  <a:lnTo>
+                    <a:pt x="233353" y="81786"/>
+                  </a:lnTo>
+                  <a:lnTo>
+                    <a:pt x="241687" y="15027"/>
+                  </a:lnTo>
+                  <a:lnTo>
+                    <a:pt x="161355" y="6683"/>
+                  </a:lnTo>
+                  <a:lnTo>
+                    <a:pt x="80746" y="1671"/>
                   </a:lnTo>
                   <a:lnTo>
                     <a:pt x="0" y="0"/>
                   </a:lnTo>
                   <a:lnTo>
-                    <a:pt x="0" y="71515"/>
-                  </a:lnTo>
-                  <a:lnTo>
-                    <a:pt x="0" y="143031"/>
-                  </a:lnTo>
-                  <a:lnTo>
-                    <a:pt x="0" y="214547"/>
-                  </a:lnTo>
-                  <a:lnTo>
-                    <a:pt x="0" y="286063"/>
-                  </a:lnTo>
-                  <a:lnTo>
-                    <a:pt x="0" y="357579"/>
-                  </a:lnTo>
-                  <a:lnTo>
-                    <a:pt x="0" y="429095"/>
-                  </a:lnTo>
-                  <a:lnTo>
-                    <a:pt x="0" y="500611"/>
-                  </a:lnTo>
-                  <a:lnTo>
-                    <a:pt x="0" y="572127"/>
-                  </a:lnTo>
-                  <a:lnTo>
-                    <a:pt x="0" y="643642"/>
-                  </a:lnTo>
-                  <a:lnTo>
-                    <a:pt x="0" y="715158"/>
-                  </a:lnTo>
-                  <a:lnTo>
-                    <a:pt x="0" y="786674"/>
-                  </a:lnTo>
-                  <a:lnTo>
-                    <a:pt x="0" y="858190"/>
-                  </a:lnTo>
-                  <a:lnTo>
-                    <a:pt x="0" y="929706"/>
-                  </a:lnTo>
-                  <a:lnTo>
-                    <a:pt x="0" y="1001222"/>
-                  </a:lnTo>
-                  <a:lnTo>
-                    <a:pt x="0" y="1072738"/>
-                  </a:lnTo>
-                  <a:lnTo>
-                    <a:pt x="0" y="1144254"/>
-                  </a:lnTo>
-                  <a:lnTo>
-                    <a:pt x="0" y="1215770"/>
-                  </a:lnTo>
-                  <a:lnTo>
-                    <a:pt x="0" y="1287285"/>
-                  </a:lnTo>
-                  <a:lnTo>
-                    <a:pt x="0" y="1358801"/>
-                  </a:lnTo>
-                  <a:lnTo>
-                    <a:pt x="0" y="1430317"/>
-                  </a:lnTo>
-                  <a:lnTo>
-                    <a:pt x="0" y="1501833"/>
-                  </a:lnTo>
-                  <a:lnTo>
-                    <a:pt x="0" y="1573349"/>
-                  </a:lnTo>
-                  <a:lnTo>
-                    <a:pt x="0" y="1644865"/>
-                  </a:lnTo>
-                  <a:lnTo>
-                    <a:pt x="0" y="1716381"/>
-                  </a:lnTo>
-                  <a:lnTo>
-                    <a:pt x="0" y="1787897"/>
-                  </a:lnTo>
-                  <a:lnTo>
-                    <a:pt x="0" y="1859412"/>
-                  </a:lnTo>
-                  <a:lnTo>
-                    <a:pt x="0" y="1930928"/>
-                  </a:lnTo>
-                  <a:lnTo>
-                    <a:pt x="0" y="2002444"/>
+                    <a:pt x="0" y="67277"/>
+                  </a:lnTo>
+                  <a:lnTo>
+                    <a:pt x="0" y="134554"/>
+                  </a:lnTo>
+                  <a:lnTo>
+                    <a:pt x="0" y="201831"/>
+                  </a:lnTo>
+                  <a:lnTo>
+                    <a:pt x="0" y="269108"/>
+                  </a:lnTo>
+                  <a:lnTo>
+                    <a:pt x="0" y="336385"/>
+                  </a:lnTo>
+                  <a:lnTo>
+                    <a:pt x="0" y="403663"/>
+                  </a:lnTo>
+                  <a:lnTo>
+                    <a:pt x="0" y="470940"/>
+                  </a:lnTo>
+                  <a:lnTo>
+                    <a:pt x="0" y="538217"/>
+                  </a:lnTo>
+                  <a:lnTo>
+                    <a:pt x="0" y="605494"/>
+                  </a:lnTo>
+                  <a:lnTo>
+                    <a:pt x="0" y="672771"/>
+                  </a:lnTo>
+                  <a:lnTo>
+                    <a:pt x="0" y="740048"/>
+                  </a:lnTo>
+                  <a:lnTo>
+                    <a:pt x="0" y="807326"/>
+                  </a:lnTo>
+                  <a:lnTo>
+                    <a:pt x="0" y="874603"/>
+                  </a:lnTo>
+                  <a:lnTo>
+                    <a:pt x="0" y="941880"/>
+                  </a:lnTo>
+                  <a:lnTo>
+                    <a:pt x="0" y="1009157"/>
+                  </a:lnTo>
+                  <a:lnTo>
+                    <a:pt x="0" y="1076434"/>
+                  </a:lnTo>
+                  <a:lnTo>
+                    <a:pt x="0" y="1143711"/>
+                  </a:lnTo>
+                  <a:lnTo>
+                    <a:pt x="0" y="1210989"/>
+                  </a:lnTo>
+                  <a:lnTo>
+                    <a:pt x="0" y="1278266"/>
+                  </a:lnTo>
+                  <a:lnTo>
+                    <a:pt x="0" y="1345543"/>
+                  </a:lnTo>
+                  <a:lnTo>
+                    <a:pt x="0" y="1412820"/>
+                  </a:lnTo>
+                  <a:lnTo>
+                    <a:pt x="0" y="1480097"/>
+                  </a:lnTo>
+                  <a:lnTo>
+                    <a:pt x="0" y="1547374"/>
+                  </a:lnTo>
+                  <a:lnTo>
+                    <a:pt x="0" y="1614652"/>
+                  </a:lnTo>
+                  <a:lnTo>
+                    <a:pt x="0" y="1681929"/>
+                  </a:lnTo>
+                  <a:lnTo>
+                    <a:pt x="0" y="1749206"/>
+                  </a:lnTo>
+                  <a:lnTo>
+                    <a:pt x="0" y="1816483"/>
+                  </a:lnTo>
+                  <a:lnTo>
+                    <a:pt x="0" y="1883760"/>
                   </a:lnTo>
                   <a:close/>
                 </a:path>
@@ -4475,228 +4529,228 @@
           </p:nvSpPr>
           <p:spPr>
             <a:xfrm>
-              <a:off x="5797599" y="2038680"/>
-              <a:ext cx="1183145" cy="2057986"/>
+              <a:off x="5797599" y="2007003"/>
+              <a:ext cx="1113020" cy="1936010"/>
             </a:xfrm>
             <a:custGeom>
               <a:avLst/>
               <a:pathLst>
-                <a:path w="1183145" h="2057986">
+                <a:path w="1113020" h="1936010">
                   <a:moveTo>
-                    <a:pt x="0" y="2057986"/>
+                    <a:pt x="0" y="1936010"/>
                   </a:moveTo>
                   <a:lnTo>
-                    <a:pt x="40798" y="1999249"/>
-                  </a:lnTo>
-                  <a:lnTo>
-                    <a:pt x="81596" y="1940512"/>
-                  </a:lnTo>
-                  <a:lnTo>
-                    <a:pt x="122394" y="1881775"/>
-                  </a:lnTo>
-                  <a:lnTo>
-                    <a:pt x="163192" y="1823038"/>
-                  </a:lnTo>
-                  <a:lnTo>
-                    <a:pt x="203990" y="1764301"/>
-                  </a:lnTo>
-                  <a:lnTo>
-                    <a:pt x="244788" y="1705564"/>
-                  </a:lnTo>
-                  <a:lnTo>
-                    <a:pt x="285586" y="1646827"/>
-                  </a:lnTo>
-                  <a:lnTo>
-                    <a:pt x="326384" y="1588090"/>
-                  </a:lnTo>
-                  <a:lnTo>
-                    <a:pt x="367182" y="1529353"/>
-                  </a:lnTo>
-                  <a:lnTo>
-                    <a:pt x="407981" y="1470616"/>
-                  </a:lnTo>
-                  <a:lnTo>
-                    <a:pt x="448779" y="1411879"/>
-                  </a:lnTo>
-                  <a:lnTo>
-                    <a:pt x="489577" y="1353142"/>
-                  </a:lnTo>
-                  <a:lnTo>
-                    <a:pt x="530375" y="1294405"/>
-                  </a:lnTo>
-                  <a:lnTo>
-                    <a:pt x="571173" y="1235668"/>
-                  </a:lnTo>
-                  <a:lnTo>
-                    <a:pt x="611971" y="1176931"/>
-                  </a:lnTo>
-                  <a:lnTo>
-                    <a:pt x="652769" y="1118194"/>
-                  </a:lnTo>
-                  <a:lnTo>
-                    <a:pt x="693567" y="1059457"/>
-                  </a:lnTo>
-                  <a:lnTo>
-                    <a:pt x="734365" y="1000720"/>
-                  </a:lnTo>
-                  <a:lnTo>
-                    <a:pt x="775164" y="941983"/>
-                  </a:lnTo>
-                  <a:lnTo>
-                    <a:pt x="815962" y="883246"/>
-                  </a:lnTo>
-                  <a:lnTo>
-                    <a:pt x="856760" y="824509"/>
-                  </a:lnTo>
-                  <a:lnTo>
-                    <a:pt x="897558" y="765772"/>
-                  </a:lnTo>
-                  <a:lnTo>
-                    <a:pt x="938356" y="707035"/>
-                  </a:lnTo>
-                  <a:lnTo>
-                    <a:pt x="979154" y="648298"/>
-                  </a:lnTo>
-                  <a:lnTo>
-                    <a:pt x="1019952" y="589561"/>
-                  </a:lnTo>
-                  <a:lnTo>
-                    <a:pt x="1060750" y="530824"/>
-                  </a:lnTo>
-                  <a:lnTo>
-                    <a:pt x="1101548" y="472087"/>
-                  </a:lnTo>
-                  <a:lnTo>
-                    <a:pt x="1142347" y="413350"/>
-                  </a:lnTo>
-                  <a:lnTo>
-                    <a:pt x="1183145" y="354613"/>
-                  </a:lnTo>
-                  <a:lnTo>
-                    <a:pt x="1123700" y="314825"/>
-                  </a:lnTo>
-                  <a:lnTo>
-                    <a:pt x="1062918" y="277110"/>
-                  </a:lnTo>
-                  <a:lnTo>
-                    <a:pt x="1000871" y="241514"/>
-                  </a:lnTo>
-                  <a:lnTo>
-                    <a:pt x="937635" y="208080"/>
-                  </a:lnTo>
-                  <a:lnTo>
-                    <a:pt x="873282" y="176845"/>
-                  </a:lnTo>
-                  <a:lnTo>
-                    <a:pt x="807891" y="147849"/>
-                  </a:lnTo>
-                  <a:lnTo>
-                    <a:pt x="741539" y="121124"/>
-                  </a:lnTo>
-                  <a:lnTo>
-                    <a:pt x="674305" y="96704"/>
-                  </a:lnTo>
-                  <a:lnTo>
-                    <a:pt x="606268" y="74617"/>
-                  </a:lnTo>
-                  <a:lnTo>
-                    <a:pt x="537510" y="54889"/>
-                  </a:lnTo>
-                  <a:lnTo>
-                    <a:pt x="468113" y="37545"/>
-                  </a:lnTo>
-                  <a:lnTo>
-                    <a:pt x="398159" y="22603"/>
-                  </a:lnTo>
-                  <a:lnTo>
-                    <a:pt x="327732" y="10083"/>
-                  </a:lnTo>
-                  <a:lnTo>
-                    <a:pt x="256914" y="0"/>
-                  </a:lnTo>
-                  <a:lnTo>
-                    <a:pt x="248055" y="70965"/>
-                  </a:lnTo>
-                  <a:lnTo>
-                    <a:pt x="239196" y="141930"/>
-                  </a:lnTo>
-                  <a:lnTo>
-                    <a:pt x="230337" y="212895"/>
-                  </a:lnTo>
-                  <a:lnTo>
-                    <a:pt x="221478" y="283860"/>
-                  </a:lnTo>
-                  <a:lnTo>
-                    <a:pt x="212619" y="354825"/>
-                  </a:lnTo>
-                  <a:lnTo>
-                    <a:pt x="203759" y="425790"/>
-                  </a:lnTo>
-                  <a:lnTo>
-                    <a:pt x="194900" y="496755"/>
-                  </a:lnTo>
-                  <a:lnTo>
-                    <a:pt x="186041" y="567720"/>
-                  </a:lnTo>
-                  <a:lnTo>
-                    <a:pt x="177182" y="638685"/>
-                  </a:lnTo>
-                  <a:lnTo>
-                    <a:pt x="168323" y="709650"/>
-                  </a:lnTo>
-                  <a:lnTo>
-                    <a:pt x="159464" y="780615"/>
-                  </a:lnTo>
-                  <a:lnTo>
-                    <a:pt x="150605" y="851580"/>
-                  </a:lnTo>
-                  <a:lnTo>
-                    <a:pt x="141746" y="922545"/>
-                  </a:lnTo>
-                  <a:lnTo>
-                    <a:pt x="132886" y="993510"/>
-                  </a:lnTo>
-                  <a:lnTo>
-                    <a:pt x="124027" y="1064475"/>
-                  </a:lnTo>
-                  <a:lnTo>
-                    <a:pt x="115168" y="1135440"/>
-                  </a:lnTo>
-                  <a:lnTo>
-                    <a:pt x="106309" y="1206405"/>
-                  </a:lnTo>
-                  <a:lnTo>
-                    <a:pt x="97450" y="1277370"/>
-                  </a:lnTo>
-                  <a:lnTo>
-                    <a:pt x="88591" y="1348335"/>
-                  </a:lnTo>
-                  <a:lnTo>
-                    <a:pt x="79732" y="1419300"/>
-                  </a:lnTo>
-                  <a:lnTo>
-                    <a:pt x="70873" y="1490265"/>
-                  </a:lnTo>
-                  <a:lnTo>
-                    <a:pt x="62013" y="1561230"/>
-                  </a:lnTo>
-                  <a:lnTo>
-                    <a:pt x="53154" y="1632196"/>
-                  </a:lnTo>
-                  <a:lnTo>
-                    <a:pt x="44295" y="1703161"/>
-                  </a:lnTo>
-                  <a:lnTo>
-                    <a:pt x="35436" y="1774126"/>
-                  </a:lnTo>
-                  <a:lnTo>
-                    <a:pt x="26577" y="1845091"/>
-                  </a:lnTo>
-                  <a:lnTo>
-                    <a:pt x="17718" y="1916056"/>
-                  </a:lnTo>
-                  <a:lnTo>
-                    <a:pt x="8859" y="1987021"/>
+                    <a:pt x="38380" y="1880754"/>
+                  </a:lnTo>
+                  <a:lnTo>
+                    <a:pt x="76760" y="1825498"/>
+                  </a:lnTo>
+                  <a:lnTo>
+                    <a:pt x="115140" y="1770243"/>
+                  </a:lnTo>
+                  <a:lnTo>
+                    <a:pt x="153520" y="1714987"/>
+                  </a:lnTo>
+                  <a:lnTo>
+                    <a:pt x="191900" y="1659731"/>
+                  </a:lnTo>
+                  <a:lnTo>
+                    <a:pt x="230280" y="1604476"/>
+                  </a:lnTo>
+                  <a:lnTo>
+                    <a:pt x="268660" y="1549220"/>
+                  </a:lnTo>
+                  <a:lnTo>
+                    <a:pt x="307040" y="1493964"/>
+                  </a:lnTo>
+                  <a:lnTo>
+                    <a:pt x="345420" y="1438709"/>
+                  </a:lnTo>
+                  <a:lnTo>
+                    <a:pt x="383800" y="1383453"/>
+                  </a:lnTo>
+                  <a:lnTo>
+                    <a:pt x="422180" y="1328197"/>
+                  </a:lnTo>
+                  <a:lnTo>
+                    <a:pt x="460560" y="1272942"/>
+                  </a:lnTo>
+                  <a:lnTo>
+                    <a:pt x="498940" y="1217686"/>
+                  </a:lnTo>
+                  <a:lnTo>
+                    <a:pt x="537320" y="1162430"/>
+                  </a:lnTo>
+                  <a:lnTo>
+                    <a:pt x="575700" y="1107174"/>
+                  </a:lnTo>
+                  <a:lnTo>
+                    <a:pt x="614080" y="1051919"/>
+                  </a:lnTo>
+                  <a:lnTo>
+                    <a:pt x="652460" y="996663"/>
+                  </a:lnTo>
+                  <a:lnTo>
+                    <a:pt x="690840" y="941407"/>
+                  </a:lnTo>
+                  <a:lnTo>
+                    <a:pt x="729220" y="886152"/>
+                  </a:lnTo>
+                  <a:lnTo>
+                    <a:pt x="767600" y="830896"/>
+                  </a:lnTo>
+                  <a:lnTo>
+                    <a:pt x="805980" y="775640"/>
+                  </a:lnTo>
+                  <a:lnTo>
+                    <a:pt x="844360" y="720385"/>
+                  </a:lnTo>
+                  <a:lnTo>
+                    <a:pt x="882740" y="665129"/>
+                  </a:lnTo>
+                  <a:lnTo>
+                    <a:pt x="921120" y="609873"/>
+                  </a:lnTo>
+                  <a:lnTo>
+                    <a:pt x="959500" y="554618"/>
+                  </a:lnTo>
+                  <a:lnTo>
+                    <a:pt x="997880" y="499362"/>
+                  </a:lnTo>
+                  <a:lnTo>
+                    <a:pt x="1036260" y="444106"/>
+                  </a:lnTo>
+                  <a:lnTo>
+                    <a:pt x="1074640" y="388850"/>
+                  </a:lnTo>
+                  <a:lnTo>
+                    <a:pt x="1113020" y="333595"/>
+                  </a:lnTo>
+                  <a:lnTo>
+                    <a:pt x="1057098" y="296165"/>
+                  </a:lnTo>
+                  <a:lnTo>
+                    <a:pt x="999919" y="260686"/>
+                  </a:lnTo>
+                  <a:lnTo>
+                    <a:pt x="941550" y="227200"/>
+                  </a:lnTo>
+                  <a:lnTo>
+                    <a:pt x="882061" y="195747"/>
+                  </a:lnTo>
+                  <a:lnTo>
+                    <a:pt x="821523" y="166364"/>
+                  </a:lnTo>
+                  <a:lnTo>
+                    <a:pt x="760008" y="139086"/>
+                  </a:lnTo>
+                  <a:lnTo>
+                    <a:pt x="697588" y="113945"/>
+                  </a:lnTo>
+                  <a:lnTo>
+                    <a:pt x="634339" y="90973"/>
+                  </a:lnTo>
+                  <a:lnTo>
+                    <a:pt x="570335" y="70195"/>
+                  </a:lnTo>
+                  <a:lnTo>
+                    <a:pt x="505652" y="51636"/>
+                  </a:lnTo>
+                  <a:lnTo>
+                    <a:pt x="440368" y="35319"/>
+                  </a:lnTo>
+                  <a:lnTo>
+                    <a:pt x="374561" y="21264"/>
+                  </a:lnTo>
+                  <a:lnTo>
+                    <a:pt x="308307" y="9486"/>
+                  </a:lnTo>
+                  <a:lnTo>
+                    <a:pt x="241687" y="0"/>
+                  </a:lnTo>
+                  <a:lnTo>
+                    <a:pt x="233353" y="66758"/>
+                  </a:lnTo>
+                  <a:lnTo>
+                    <a:pt x="225019" y="133517"/>
+                  </a:lnTo>
+                  <a:lnTo>
+                    <a:pt x="216685" y="200276"/>
+                  </a:lnTo>
+                  <a:lnTo>
+                    <a:pt x="208351" y="267035"/>
+                  </a:lnTo>
+                  <a:lnTo>
+                    <a:pt x="200017" y="333794"/>
+                  </a:lnTo>
+                  <a:lnTo>
+                    <a:pt x="191683" y="400553"/>
+                  </a:lnTo>
+                  <a:lnTo>
+                    <a:pt x="183349" y="467312"/>
+                  </a:lnTo>
+                  <a:lnTo>
+                    <a:pt x="175015" y="534071"/>
+                  </a:lnTo>
+                  <a:lnTo>
+                    <a:pt x="166680" y="600830"/>
+                  </a:lnTo>
+                  <a:lnTo>
+                    <a:pt x="158346" y="667589"/>
+                  </a:lnTo>
+                  <a:lnTo>
+                    <a:pt x="150012" y="734348"/>
+                  </a:lnTo>
+                  <a:lnTo>
+                    <a:pt x="141678" y="801107"/>
+                  </a:lnTo>
+                  <a:lnTo>
+                    <a:pt x="133344" y="867866"/>
+                  </a:lnTo>
+                  <a:lnTo>
+                    <a:pt x="125010" y="934625"/>
+                  </a:lnTo>
+                  <a:lnTo>
+                    <a:pt x="116676" y="1001384"/>
+                  </a:lnTo>
+                  <a:lnTo>
+                    <a:pt x="108342" y="1068143"/>
+                  </a:lnTo>
+                  <a:lnTo>
+                    <a:pt x="100008" y="1134902"/>
+                  </a:lnTo>
+                  <a:lnTo>
+                    <a:pt x="91674" y="1201661"/>
+                  </a:lnTo>
+                  <a:lnTo>
+                    <a:pt x="83340" y="1268420"/>
+                  </a:lnTo>
+                  <a:lnTo>
+                    <a:pt x="75006" y="1335179"/>
+                  </a:lnTo>
+                  <a:lnTo>
+                    <a:pt x="66672" y="1401938"/>
+                  </a:lnTo>
+                  <a:lnTo>
+                    <a:pt x="58338" y="1468697"/>
+                  </a:lnTo>
+                  <a:lnTo>
+                    <a:pt x="50004" y="1535456"/>
+                  </a:lnTo>
+                  <a:lnTo>
+                    <a:pt x="41670" y="1602215"/>
+                  </a:lnTo>
+                  <a:lnTo>
+                    <a:pt x="33336" y="1668974"/>
+                  </a:lnTo>
+                  <a:lnTo>
+                    <a:pt x="25002" y="1735733"/>
+                  </a:lnTo>
+                  <a:lnTo>
+                    <a:pt x="16668" y="1802492"/>
+                  </a:lnTo>
+                  <a:lnTo>
+                    <a:pt x="8334" y="1869251"/>
                   </a:lnTo>
                   <a:close/>
                 </a:path>
@@ -4731,339 +4785,339 @@
           </p:nvSpPr>
           <p:spPr>
             <a:xfrm>
-              <a:off x="5797599" y="2393293"/>
-              <a:ext cx="2073849" cy="3151258"/>
+              <a:off x="5797599" y="2340598"/>
+              <a:ext cx="1950933" cy="2964484"/>
             </a:xfrm>
             <a:custGeom>
               <a:avLst/>
               <a:pathLst>
-                <a:path w="2073849" h="3151258">
+                <a:path w="1950933" h="2964484">
                   <a:moveTo>
-                    <a:pt x="0" y="1703373"/>
+                    <a:pt x="0" y="1602415"/>
                   </a:moveTo>
                   <a:lnTo>
-                    <a:pt x="51203" y="1753300"/>
-                  </a:lnTo>
-                  <a:lnTo>
-                    <a:pt x="102407" y="1803227"/>
-                  </a:lnTo>
-                  <a:lnTo>
-                    <a:pt x="153610" y="1853154"/>
-                  </a:lnTo>
-                  <a:lnTo>
-                    <a:pt x="204814" y="1903081"/>
-                  </a:lnTo>
-                  <a:lnTo>
-                    <a:pt x="256018" y="1953008"/>
-                  </a:lnTo>
-                  <a:lnTo>
-                    <a:pt x="307221" y="2002935"/>
-                  </a:lnTo>
-                  <a:lnTo>
-                    <a:pt x="358425" y="2052862"/>
-                  </a:lnTo>
-                  <a:lnTo>
-                    <a:pt x="409628" y="2102789"/>
-                  </a:lnTo>
-                  <a:lnTo>
-                    <a:pt x="460832" y="2152716"/>
-                  </a:lnTo>
-                  <a:lnTo>
-                    <a:pt x="512036" y="2202643"/>
-                  </a:lnTo>
-                  <a:lnTo>
-                    <a:pt x="563239" y="2252571"/>
-                  </a:lnTo>
-                  <a:lnTo>
-                    <a:pt x="614443" y="2302498"/>
-                  </a:lnTo>
-                  <a:lnTo>
-                    <a:pt x="665646" y="2352425"/>
-                  </a:lnTo>
-                  <a:lnTo>
-                    <a:pt x="716850" y="2402352"/>
-                  </a:lnTo>
-                  <a:lnTo>
-                    <a:pt x="768054" y="2452279"/>
-                  </a:lnTo>
-                  <a:lnTo>
-                    <a:pt x="819257" y="2502206"/>
-                  </a:lnTo>
-                  <a:lnTo>
-                    <a:pt x="870461" y="2552133"/>
-                  </a:lnTo>
-                  <a:lnTo>
-                    <a:pt x="921664" y="2602060"/>
-                  </a:lnTo>
-                  <a:lnTo>
-                    <a:pt x="972868" y="2651987"/>
-                  </a:lnTo>
-                  <a:lnTo>
-                    <a:pt x="1024072" y="2701914"/>
-                  </a:lnTo>
-                  <a:lnTo>
-                    <a:pt x="1075275" y="2751841"/>
-                  </a:lnTo>
-                  <a:lnTo>
-                    <a:pt x="1126479" y="2801768"/>
-                  </a:lnTo>
-                  <a:lnTo>
-                    <a:pt x="1177682" y="2851695"/>
-                  </a:lnTo>
-                  <a:lnTo>
-                    <a:pt x="1228886" y="2901622"/>
-                  </a:lnTo>
-                  <a:lnTo>
-                    <a:pt x="1280090" y="2951550"/>
-                  </a:lnTo>
-                  <a:lnTo>
-                    <a:pt x="1331293" y="3001477"/>
-                  </a:lnTo>
-                  <a:lnTo>
-                    <a:pt x="1382497" y="3051404"/>
-                  </a:lnTo>
-                  <a:lnTo>
-                    <a:pt x="1433700" y="3101331"/>
-                  </a:lnTo>
-                  <a:lnTo>
-                    <a:pt x="1484904" y="3151258"/>
-                  </a:lnTo>
-                  <a:lnTo>
-                    <a:pt x="1533333" y="3099869"/>
-                  </a:lnTo>
-                  <a:lnTo>
-                    <a:pt x="1579984" y="3046862"/>
-                  </a:lnTo>
-                  <a:lnTo>
-                    <a:pt x="1624803" y="2992297"/>
-                  </a:lnTo>
-                  <a:lnTo>
-                    <a:pt x="1667739" y="2936238"/>
-                  </a:lnTo>
-                  <a:lnTo>
-                    <a:pt x="1708742" y="2878750"/>
-                  </a:lnTo>
-                  <a:lnTo>
-                    <a:pt x="1747764" y="2819899"/>
-                  </a:lnTo>
-                  <a:lnTo>
-                    <a:pt x="1784760" y="2759755"/>
-                  </a:lnTo>
-                  <a:lnTo>
-                    <a:pt x="1819687" y="2698385"/>
-                  </a:lnTo>
-                  <a:lnTo>
-                    <a:pt x="1852505" y="2635862"/>
-                  </a:lnTo>
-                  <a:lnTo>
-                    <a:pt x="1883175" y="2572258"/>
-                  </a:lnTo>
-                  <a:lnTo>
-                    <a:pt x="1911662" y="2507647"/>
-                  </a:lnTo>
-                  <a:lnTo>
-                    <a:pt x="1937934" y="2442104"/>
-                  </a:lnTo>
-                  <a:lnTo>
-                    <a:pt x="1961958" y="2375704"/>
-                  </a:lnTo>
-                  <a:lnTo>
-                    <a:pt x="1983709" y="2308525"/>
-                  </a:lnTo>
-                  <a:lnTo>
-                    <a:pt x="2003160" y="2240645"/>
-                  </a:lnTo>
-                  <a:lnTo>
-                    <a:pt x="2020289" y="2172141"/>
-                  </a:lnTo>
-                  <a:lnTo>
-                    <a:pt x="2035076" y="2103095"/>
-                  </a:lnTo>
-                  <a:lnTo>
-                    <a:pt x="2047504" y="2033584"/>
-                  </a:lnTo>
-                  <a:lnTo>
-                    <a:pt x="2057558" y="1963692"/>
-                  </a:lnTo>
-                  <a:lnTo>
-                    <a:pt x="2065227" y="1893497"/>
-                  </a:lnTo>
-                  <a:lnTo>
-                    <a:pt x="2070502" y="1823082"/>
-                  </a:lnTo>
-                  <a:lnTo>
-                    <a:pt x="2073378" y="1752528"/>
-                  </a:lnTo>
-                  <a:lnTo>
-                    <a:pt x="2073849" y="1681917"/>
-                  </a:lnTo>
-                  <a:lnTo>
-                    <a:pt x="2071917" y="1611331"/>
-                  </a:lnTo>
-                  <a:lnTo>
-                    <a:pt x="2067583" y="1540852"/>
-                  </a:lnTo>
-                  <a:lnTo>
-                    <a:pt x="2060852" y="1470561"/>
-                  </a:lnTo>
-                  <a:lnTo>
-                    <a:pt x="2051732" y="1400540"/>
-                  </a:lnTo>
-                  <a:lnTo>
-                    <a:pt x="2040233" y="1330870"/>
-                  </a:lnTo>
-                  <a:lnTo>
-                    <a:pt x="2026370" y="1261632"/>
-                  </a:lnTo>
-                  <a:lnTo>
-                    <a:pt x="2010158" y="1192906"/>
-                  </a:lnTo>
-                  <a:lnTo>
-                    <a:pt x="1991615" y="1124772"/>
-                  </a:lnTo>
-                  <a:lnTo>
-                    <a:pt x="1970764" y="1057308"/>
-                  </a:lnTo>
-                  <a:lnTo>
-                    <a:pt x="1947628" y="990593"/>
-                  </a:lnTo>
-                  <a:lnTo>
-                    <a:pt x="1922235" y="924705"/>
-                  </a:lnTo>
-                  <a:lnTo>
-                    <a:pt x="1894613" y="859719"/>
-                  </a:lnTo>
-                  <a:lnTo>
-                    <a:pt x="1864795" y="795711"/>
-                  </a:lnTo>
-                  <a:lnTo>
-                    <a:pt x="1832816" y="732756"/>
-                  </a:lnTo>
-                  <a:lnTo>
-                    <a:pt x="1798712" y="670925"/>
-                  </a:lnTo>
-                  <a:lnTo>
-                    <a:pt x="1762522" y="610292"/>
-                  </a:lnTo>
-                  <a:lnTo>
-                    <a:pt x="1724290" y="550925"/>
-                  </a:lnTo>
-                  <a:lnTo>
-                    <a:pt x="1684059" y="492894"/>
-                  </a:lnTo>
-                  <a:lnTo>
-                    <a:pt x="1641875" y="436267"/>
-                  </a:lnTo>
-                  <a:lnTo>
-                    <a:pt x="1597788" y="381108"/>
-                  </a:lnTo>
-                  <a:lnTo>
-                    <a:pt x="1551850" y="327482"/>
-                  </a:lnTo>
-                  <a:lnTo>
-                    <a:pt x="1504112" y="275452"/>
-                  </a:lnTo>
-                  <a:lnTo>
-                    <a:pt x="1454630" y="225076"/>
-                  </a:lnTo>
-                  <a:lnTo>
-                    <a:pt x="1403463" y="176414"/>
-                  </a:lnTo>
-                  <a:lnTo>
-                    <a:pt x="1350668" y="129522"/>
-                  </a:lnTo>
-                  <a:lnTo>
-                    <a:pt x="1296308" y="84454"/>
-                  </a:lnTo>
-                  <a:lnTo>
-                    <a:pt x="1240445" y="41264"/>
-                  </a:lnTo>
-                  <a:lnTo>
-                    <a:pt x="1183145" y="0"/>
-                  </a:lnTo>
-                  <a:lnTo>
-                    <a:pt x="1142347" y="58737"/>
-                  </a:lnTo>
-                  <a:lnTo>
-                    <a:pt x="1101548" y="117474"/>
-                  </a:lnTo>
-                  <a:lnTo>
-                    <a:pt x="1060750" y="176211"/>
-                  </a:lnTo>
-                  <a:lnTo>
-                    <a:pt x="1019952" y="234948"/>
-                  </a:lnTo>
-                  <a:lnTo>
-                    <a:pt x="979154" y="293685"/>
-                  </a:lnTo>
-                  <a:lnTo>
-                    <a:pt x="938356" y="352422"/>
-                  </a:lnTo>
-                  <a:lnTo>
-                    <a:pt x="897558" y="411159"/>
-                  </a:lnTo>
-                  <a:lnTo>
-                    <a:pt x="856760" y="469896"/>
-                  </a:lnTo>
-                  <a:lnTo>
-                    <a:pt x="815962" y="528633"/>
-                  </a:lnTo>
-                  <a:lnTo>
-                    <a:pt x="775164" y="587370"/>
-                  </a:lnTo>
-                  <a:lnTo>
-                    <a:pt x="734365" y="646107"/>
-                  </a:lnTo>
-                  <a:lnTo>
-                    <a:pt x="693567" y="704844"/>
-                  </a:lnTo>
-                  <a:lnTo>
-                    <a:pt x="652769" y="763581"/>
-                  </a:lnTo>
-                  <a:lnTo>
-                    <a:pt x="611971" y="822318"/>
-                  </a:lnTo>
-                  <a:lnTo>
-                    <a:pt x="571173" y="881055"/>
-                  </a:lnTo>
-                  <a:lnTo>
-                    <a:pt x="530375" y="939792"/>
-                  </a:lnTo>
-                  <a:lnTo>
-                    <a:pt x="489577" y="998529"/>
-                  </a:lnTo>
-                  <a:lnTo>
-                    <a:pt x="448779" y="1057266"/>
-                  </a:lnTo>
-                  <a:lnTo>
-                    <a:pt x="407981" y="1116003"/>
-                  </a:lnTo>
-                  <a:lnTo>
-                    <a:pt x="367182" y="1174740"/>
-                  </a:lnTo>
-                  <a:lnTo>
-                    <a:pt x="326384" y="1233477"/>
-                  </a:lnTo>
-                  <a:lnTo>
-                    <a:pt x="285586" y="1292214"/>
-                  </a:lnTo>
-                  <a:lnTo>
-                    <a:pt x="244788" y="1350951"/>
-                  </a:lnTo>
-                  <a:lnTo>
-                    <a:pt x="203990" y="1409688"/>
-                  </a:lnTo>
-                  <a:lnTo>
-                    <a:pt x="163192" y="1468425"/>
-                  </a:lnTo>
-                  <a:lnTo>
-                    <a:pt x="122394" y="1527162"/>
-                  </a:lnTo>
-                  <a:lnTo>
-                    <a:pt x="81596" y="1585899"/>
-                  </a:lnTo>
-                  <a:lnTo>
-                    <a:pt x="40798" y="1644636"/>
+                    <a:pt x="48168" y="1649382"/>
+                  </a:lnTo>
+                  <a:lnTo>
+                    <a:pt x="96337" y="1696350"/>
+                  </a:lnTo>
+                  <a:lnTo>
+                    <a:pt x="144506" y="1743318"/>
+                  </a:lnTo>
+                  <a:lnTo>
+                    <a:pt x="192675" y="1790286"/>
+                  </a:lnTo>
+                  <a:lnTo>
+                    <a:pt x="240843" y="1837254"/>
+                  </a:lnTo>
+                  <a:lnTo>
+                    <a:pt x="289012" y="1884222"/>
+                  </a:lnTo>
+                  <a:lnTo>
+                    <a:pt x="337181" y="1931190"/>
+                  </a:lnTo>
+                  <a:lnTo>
+                    <a:pt x="385350" y="1978158"/>
+                  </a:lnTo>
+                  <a:lnTo>
+                    <a:pt x="433519" y="2025126"/>
+                  </a:lnTo>
+                  <a:lnTo>
+                    <a:pt x="481687" y="2072094"/>
+                  </a:lnTo>
+                  <a:lnTo>
+                    <a:pt x="529856" y="2119062"/>
+                  </a:lnTo>
+                  <a:lnTo>
+                    <a:pt x="578025" y="2166030"/>
+                  </a:lnTo>
+                  <a:lnTo>
+                    <a:pt x="626194" y="2212997"/>
+                  </a:lnTo>
+                  <a:lnTo>
+                    <a:pt x="674363" y="2259965"/>
+                  </a:lnTo>
+                  <a:lnTo>
+                    <a:pt x="722531" y="2306933"/>
+                  </a:lnTo>
+                  <a:lnTo>
+                    <a:pt x="770700" y="2353901"/>
+                  </a:lnTo>
+                  <a:lnTo>
+                    <a:pt x="818869" y="2400869"/>
+                  </a:lnTo>
+                  <a:lnTo>
+                    <a:pt x="867038" y="2447837"/>
+                  </a:lnTo>
+                  <a:lnTo>
+                    <a:pt x="915207" y="2494805"/>
+                  </a:lnTo>
+                  <a:lnTo>
+                    <a:pt x="963375" y="2541773"/>
+                  </a:lnTo>
+                  <a:lnTo>
+                    <a:pt x="1011544" y="2588741"/>
+                  </a:lnTo>
+                  <a:lnTo>
+                    <a:pt x="1059713" y="2635709"/>
+                  </a:lnTo>
+                  <a:lnTo>
+                    <a:pt x="1107882" y="2682677"/>
+                  </a:lnTo>
+                  <a:lnTo>
+                    <a:pt x="1156050" y="2729645"/>
+                  </a:lnTo>
+                  <a:lnTo>
+                    <a:pt x="1204219" y="2776612"/>
+                  </a:lnTo>
+                  <a:lnTo>
+                    <a:pt x="1252388" y="2823580"/>
+                  </a:lnTo>
+                  <a:lnTo>
+                    <a:pt x="1300557" y="2870548"/>
+                  </a:lnTo>
+                  <a:lnTo>
+                    <a:pt x="1348726" y="2917516"/>
+                  </a:lnTo>
+                  <a:lnTo>
+                    <a:pt x="1396894" y="2964484"/>
+                  </a:lnTo>
+                  <a:lnTo>
+                    <a:pt x="1442453" y="2916141"/>
+                  </a:lnTo>
+                  <a:lnTo>
+                    <a:pt x="1486339" y="2866276"/>
+                  </a:lnTo>
+                  <a:lnTo>
+                    <a:pt x="1528502" y="2814945"/>
+                  </a:lnTo>
+                  <a:lnTo>
+                    <a:pt x="1568893" y="2762208"/>
+                  </a:lnTo>
+                  <a:lnTo>
+                    <a:pt x="1607466" y="2708128"/>
+                  </a:lnTo>
+                  <a:lnTo>
+                    <a:pt x="1644175" y="2652765"/>
+                  </a:lnTo>
+                  <a:lnTo>
+                    <a:pt x="1678978" y="2596185"/>
+                  </a:lnTo>
+                  <a:lnTo>
+                    <a:pt x="1711835" y="2538453"/>
+                  </a:lnTo>
+                  <a:lnTo>
+                    <a:pt x="1742708" y="2479636"/>
+                  </a:lnTo>
+                  <a:lnTo>
+                    <a:pt x="1771560" y="2419802"/>
+                  </a:lnTo>
+                  <a:lnTo>
+                    <a:pt x="1798359" y="2359020"/>
+                  </a:lnTo>
+                  <a:lnTo>
+                    <a:pt x="1823073" y="2297362"/>
+                  </a:lnTo>
+                  <a:lnTo>
+                    <a:pt x="1845674" y="2234897"/>
+                  </a:lnTo>
+                  <a:lnTo>
+                    <a:pt x="1866135" y="2171700"/>
+                  </a:lnTo>
+                  <a:lnTo>
+                    <a:pt x="1884433" y="2107843"/>
+                  </a:lnTo>
+                  <a:lnTo>
+                    <a:pt x="1900547" y="2043399"/>
+                  </a:lnTo>
+                  <a:lnTo>
+                    <a:pt x="1914458" y="1978445"/>
+                  </a:lnTo>
+                  <a:lnTo>
+                    <a:pt x="1926149" y="1913055"/>
+                  </a:lnTo>
+                  <a:lnTo>
+                    <a:pt x="1935607" y="1847304"/>
+                  </a:lnTo>
+                  <a:lnTo>
+                    <a:pt x="1942822" y="1781270"/>
+                  </a:lnTo>
+                  <a:lnTo>
+                    <a:pt x="1947785" y="1715029"/>
+                  </a:lnTo>
+                  <a:lnTo>
+                    <a:pt x="1950489" y="1648656"/>
+                  </a:lnTo>
+                  <a:lnTo>
+                    <a:pt x="1950933" y="1582231"/>
+                  </a:lnTo>
+                  <a:lnTo>
+                    <a:pt x="1949115" y="1515828"/>
+                  </a:lnTo>
+                  <a:lnTo>
+                    <a:pt x="1945038" y="1449526"/>
+                  </a:lnTo>
+                  <a:lnTo>
+                    <a:pt x="1938706" y="1383402"/>
+                  </a:lnTo>
+                  <a:lnTo>
+                    <a:pt x="1930126" y="1317531"/>
+                  </a:lnTo>
+                  <a:lnTo>
+                    <a:pt x="1919310" y="1251990"/>
+                  </a:lnTo>
+                  <a:lnTo>
+                    <a:pt x="1906268" y="1186856"/>
+                  </a:lnTo>
+                  <a:lnTo>
+                    <a:pt x="1891017" y="1122203"/>
+                  </a:lnTo>
+                  <a:lnTo>
+                    <a:pt x="1873573" y="1058107"/>
+                  </a:lnTo>
+                  <a:lnTo>
+                    <a:pt x="1853958" y="994642"/>
+                  </a:lnTo>
+                  <a:lnTo>
+                    <a:pt x="1832193" y="931881"/>
+                  </a:lnTo>
+                  <a:lnTo>
+                    <a:pt x="1808305" y="869898"/>
+                  </a:lnTo>
+                  <a:lnTo>
+                    <a:pt x="1782320" y="808764"/>
+                  </a:lnTo>
+                  <a:lnTo>
+                    <a:pt x="1754270" y="748550"/>
+                  </a:lnTo>
+                  <a:lnTo>
+                    <a:pt x="1724186" y="689326"/>
+                  </a:lnTo>
+                  <a:lnTo>
+                    <a:pt x="1692103" y="631160"/>
+                  </a:lnTo>
+                  <a:lnTo>
+                    <a:pt x="1658058" y="574120"/>
+                  </a:lnTo>
+                  <a:lnTo>
+                    <a:pt x="1622092" y="518272"/>
+                  </a:lnTo>
+                  <a:lnTo>
+                    <a:pt x="1584245" y="463681"/>
+                  </a:lnTo>
+                  <a:lnTo>
+                    <a:pt x="1544562" y="410410"/>
+                  </a:lnTo>
+                  <a:lnTo>
+                    <a:pt x="1503088" y="358520"/>
+                  </a:lnTo>
+                  <a:lnTo>
+                    <a:pt x="1459872" y="308073"/>
+                  </a:lnTo>
+                  <a:lnTo>
+                    <a:pt x="1414964" y="259126"/>
+                  </a:lnTo>
+                  <a:lnTo>
+                    <a:pt x="1368415" y="211736"/>
+                  </a:lnTo>
+                  <a:lnTo>
+                    <a:pt x="1320280" y="165958"/>
+                  </a:lnTo>
+                  <a:lnTo>
+                    <a:pt x="1270615" y="121845"/>
+                  </a:lnTo>
+                  <a:lnTo>
+                    <a:pt x="1219477" y="79449"/>
+                  </a:lnTo>
+                  <a:lnTo>
+                    <a:pt x="1166925" y="38818"/>
+                  </a:lnTo>
+                  <a:lnTo>
+                    <a:pt x="1113020" y="0"/>
+                  </a:lnTo>
+                  <a:lnTo>
+                    <a:pt x="1074640" y="55255"/>
+                  </a:lnTo>
+                  <a:lnTo>
+                    <a:pt x="1036260" y="110511"/>
+                  </a:lnTo>
+                  <a:lnTo>
+                    <a:pt x="997880" y="165767"/>
+                  </a:lnTo>
+                  <a:lnTo>
+                    <a:pt x="959500" y="221022"/>
+                  </a:lnTo>
+                  <a:lnTo>
+                    <a:pt x="921120" y="276278"/>
+                  </a:lnTo>
+                  <a:lnTo>
+                    <a:pt x="882740" y="331534"/>
+                  </a:lnTo>
+                  <a:lnTo>
+                    <a:pt x="844360" y="386789"/>
+                  </a:lnTo>
+                  <a:lnTo>
+                    <a:pt x="805980" y="442045"/>
+                  </a:lnTo>
+                  <a:lnTo>
+                    <a:pt x="767600" y="497301"/>
+                  </a:lnTo>
+                  <a:lnTo>
+                    <a:pt x="729220" y="552556"/>
+                  </a:lnTo>
+                  <a:lnTo>
+                    <a:pt x="690840" y="607812"/>
+                  </a:lnTo>
+                  <a:lnTo>
+                    <a:pt x="652460" y="663068"/>
+                  </a:lnTo>
+                  <a:lnTo>
+                    <a:pt x="614080" y="718323"/>
+                  </a:lnTo>
+                  <a:lnTo>
+                    <a:pt x="575700" y="773579"/>
+                  </a:lnTo>
+                  <a:lnTo>
+                    <a:pt x="537320" y="828835"/>
+                  </a:lnTo>
+                  <a:lnTo>
+                    <a:pt x="498940" y="884091"/>
+                  </a:lnTo>
+                  <a:lnTo>
+                    <a:pt x="460560" y="939346"/>
+                  </a:lnTo>
+                  <a:lnTo>
+                    <a:pt x="422180" y="994602"/>
+                  </a:lnTo>
+                  <a:lnTo>
+                    <a:pt x="383800" y="1049858"/>
+                  </a:lnTo>
+                  <a:lnTo>
+                    <a:pt x="345420" y="1105113"/>
+                  </a:lnTo>
+                  <a:lnTo>
+                    <a:pt x="307040" y="1160369"/>
+                  </a:lnTo>
+                  <a:lnTo>
+                    <a:pt x="268660" y="1215625"/>
+                  </a:lnTo>
+                  <a:lnTo>
+                    <a:pt x="230280" y="1270880"/>
+                  </a:lnTo>
+                  <a:lnTo>
+                    <a:pt x="191900" y="1326136"/>
+                  </a:lnTo>
+                  <a:lnTo>
+                    <a:pt x="153520" y="1381392"/>
+                  </a:lnTo>
+                  <a:lnTo>
+                    <a:pt x="115140" y="1436647"/>
+                  </a:lnTo>
+                  <a:lnTo>
+                    <a:pt x="76760" y="1491903"/>
+                  </a:lnTo>
+                  <a:lnTo>
+                    <a:pt x="38380" y="1547159"/>
                   </a:lnTo>
                   <a:close/>
                 </a:path>
@@ -5098,285 +5152,285 @@
           </p:nvSpPr>
           <p:spPr>
             <a:xfrm>
-              <a:off x="5135443" y="4096666"/>
-              <a:ext cx="2147060" cy="2073716"/>
+              <a:off x="5174689" y="3943013"/>
+              <a:ext cx="2019805" cy="1950808"/>
             </a:xfrm>
             <a:custGeom>
               <a:avLst/>
               <a:pathLst>
-                <a:path w="2147060" h="2073716">
+                <a:path w="2019805" h="1950808">
                   <a:moveTo>
-                    <a:pt x="662156" y="0"/>
+                    <a:pt x="622910" y="0"/>
                   </a:moveTo>
                   <a:lnTo>
-                    <a:pt x="639323" y="67772"/>
-                  </a:lnTo>
-                  <a:lnTo>
-                    <a:pt x="616490" y="135545"/>
-                  </a:lnTo>
-                  <a:lnTo>
-                    <a:pt x="593657" y="203318"/>
-                  </a:lnTo>
-                  <a:lnTo>
-                    <a:pt x="570824" y="271091"/>
-                  </a:lnTo>
-                  <a:lnTo>
-                    <a:pt x="547991" y="338864"/>
-                  </a:lnTo>
-                  <a:lnTo>
-                    <a:pt x="525158" y="406637"/>
-                  </a:lnTo>
-                  <a:lnTo>
-                    <a:pt x="502325" y="474410"/>
-                  </a:lnTo>
-                  <a:lnTo>
-                    <a:pt x="479492" y="542183"/>
-                  </a:lnTo>
-                  <a:lnTo>
-                    <a:pt x="456659" y="609956"/>
-                  </a:lnTo>
-                  <a:lnTo>
-                    <a:pt x="433826" y="677729"/>
-                  </a:lnTo>
-                  <a:lnTo>
-                    <a:pt x="410993" y="745502"/>
-                  </a:lnTo>
-                  <a:lnTo>
-                    <a:pt x="388160" y="813275"/>
-                  </a:lnTo>
-                  <a:lnTo>
-                    <a:pt x="365327" y="881048"/>
-                  </a:lnTo>
-                  <a:lnTo>
-                    <a:pt x="342494" y="948821"/>
-                  </a:lnTo>
-                  <a:lnTo>
-                    <a:pt x="319661" y="1016594"/>
-                  </a:lnTo>
-                  <a:lnTo>
-                    <a:pt x="296828" y="1084367"/>
-                  </a:lnTo>
-                  <a:lnTo>
-                    <a:pt x="273995" y="1152140"/>
-                  </a:lnTo>
-                  <a:lnTo>
-                    <a:pt x="251162" y="1219913"/>
-                  </a:lnTo>
-                  <a:lnTo>
-                    <a:pt x="228329" y="1287686"/>
-                  </a:lnTo>
-                  <a:lnTo>
-                    <a:pt x="205496" y="1355459"/>
-                  </a:lnTo>
-                  <a:lnTo>
-                    <a:pt x="182663" y="1423232"/>
-                  </a:lnTo>
-                  <a:lnTo>
-                    <a:pt x="159830" y="1491005"/>
-                  </a:lnTo>
-                  <a:lnTo>
-                    <a:pt x="136997" y="1558778"/>
-                  </a:lnTo>
-                  <a:lnTo>
-                    <a:pt x="114164" y="1626551"/>
-                  </a:lnTo>
-                  <a:lnTo>
-                    <a:pt x="91331" y="1694324"/>
-                  </a:lnTo>
-                  <a:lnTo>
-                    <a:pt x="68498" y="1762097"/>
-                  </a:lnTo>
-                  <a:lnTo>
-                    <a:pt x="45665" y="1829870"/>
-                  </a:lnTo>
-                  <a:lnTo>
-                    <a:pt x="22832" y="1897643"/>
-                  </a:lnTo>
-                  <a:lnTo>
-                    <a:pt x="0" y="1965416"/>
-                  </a:lnTo>
-                  <a:lnTo>
-                    <a:pt x="67253" y="1986807"/>
-                  </a:lnTo>
-                  <a:lnTo>
-                    <a:pt x="135194" y="2005897"/>
-                  </a:lnTo>
-                  <a:lnTo>
-                    <a:pt x="203746" y="2022665"/>
-                  </a:lnTo>
-                  <a:lnTo>
-                    <a:pt x="272829" y="2037090"/>
-                  </a:lnTo>
-                  <a:lnTo>
-                    <a:pt x="342363" y="2049157"/>
-                  </a:lnTo>
-                  <a:lnTo>
-                    <a:pt x="412267" y="2058851"/>
-                  </a:lnTo>
-                  <a:lnTo>
-                    <a:pt x="482460" y="2066161"/>
-                  </a:lnTo>
-                  <a:lnTo>
-                    <a:pt x="552861" y="2071078"/>
-                  </a:lnTo>
-                  <a:lnTo>
-                    <a:pt x="623389" y="2073598"/>
-                  </a:lnTo>
-                  <a:lnTo>
-                    <a:pt x="693962" y="2073716"/>
-                  </a:lnTo>
-                  <a:lnTo>
-                    <a:pt x="764498" y="2071433"/>
-                  </a:lnTo>
-                  <a:lnTo>
-                    <a:pt x="834915" y="2066752"/>
-                  </a:lnTo>
-                  <a:lnTo>
-                    <a:pt x="905133" y="2059678"/>
-                  </a:lnTo>
-                  <a:lnTo>
-                    <a:pt x="975069" y="2050219"/>
-                  </a:lnTo>
-                  <a:lnTo>
-                    <a:pt x="1044643" y="2038385"/>
-                  </a:lnTo>
-                  <a:lnTo>
-                    <a:pt x="1113774" y="2024192"/>
-                  </a:lnTo>
-                  <a:lnTo>
-                    <a:pt x="1182381" y="2007654"/>
-                  </a:lnTo>
-                  <a:lnTo>
-                    <a:pt x="1250387" y="1988792"/>
-                  </a:lnTo>
-                  <a:lnTo>
-                    <a:pt x="1317711" y="1967627"/>
-                  </a:lnTo>
-                  <a:lnTo>
-                    <a:pt x="1384277" y="1944184"/>
-                  </a:lnTo>
-                  <a:lnTo>
-                    <a:pt x="1450006" y="1918490"/>
-                  </a:lnTo>
-                  <a:lnTo>
-                    <a:pt x="1514823" y="1890574"/>
-                  </a:lnTo>
-                  <a:lnTo>
-                    <a:pt x="1578653" y="1860469"/>
-                  </a:lnTo>
-                  <a:lnTo>
-                    <a:pt x="1641421" y="1828210"/>
-                  </a:lnTo>
-                  <a:lnTo>
-                    <a:pt x="1703055" y="1793833"/>
-                  </a:lnTo>
-                  <a:lnTo>
-                    <a:pt x="1763485" y="1757380"/>
-                  </a:lnTo>
-                  <a:lnTo>
-                    <a:pt x="1822639" y="1718892"/>
-                  </a:lnTo>
-                  <a:lnTo>
-                    <a:pt x="1880449" y="1678414"/>
-                  </a:lnTo>
-                  <a:lnTo>
-                    <a:pt x="1936849" y="1635992"/>
-                  </a:lnTo>
-                  <a:lnTo>
-                    <a:pt x="1991772" y="1591676"/>
-                  </a:lnTo>
-                  <a:lnTo>
-                    <a:pt x="2045156" y="1545516"/>
-                  </a:lnTo>
-                  <a:lnTo>
-                    <a:pt x="2096939" y="1497567"/>
-                  </a:lnTo>
-                  <a:lnTo>
-                    <a:pt x="2147060" y="1447885"/>
-                  </a:lnTo>
-                  <a:lnTo>
-                    <a:pt x="2095857" y="1397958"/>
-                  </a:lnTo>
-                  <a:lnTo>
-                    <a:pt x="2044653" y="1348030"/>
-                  </a:lnTo>
-                  <a:lnTo>
-                    <a:pt x="1993449" y="1298103"/>
-                  </a:lnTo>
-                  <a:lnTo>
-                    <a:pt x="1942246" y="1248176"/>
-                  </a:lnTo>
-                  <a:lnTo>
-                    <a:pt x="1891042" y="1198249"/>
-                  </a:lnTo>
-                  <a:lnTo>
-                    <a:pt x="1839839" y="1148322"/>
-                  </a:lnTo>
-                  <a:lnTo>
-                    <a:pt x="1788635" y="1098395"/>
-                  </a:lnTo>
-                  <a:lnTo>
-                    <a:pt x="1737431" y="1048468"/>
-                  </a:lnTo>
-                  <a:lnTo>
-                    <a:pt x="1686228" y="998541"/>
-                  </a:lnTo>
-                  <a:lnTo>
-                    <a:pt x="1635024" y="948614"/>
-                  </a:lnTo>
-                  <a:lnTo>
-                    <a:pt x="1583820" y="898687"/>
-                  </a:lnTo>
-                  <a:lnTo>
-                    <a:pt x="1532617" y="848760"/>
-                  </a:lnTo>
-                  <a:lnTo>
-                    <a:pt x="1481413" y="798833"/>
-                  </a:lnTo>
-                  <a:lnTo>
-                    <a:pt x="1430210" y="748906"/>
-                  </a:lnTo>
-                  <a:lnTo>
-                    <a:pt x="1379006" y="698979"/>
-                  </a:lnTo>
-                  <a:lnTo>
-                    <a:pt x="1327802" y="649051"/>
-                  </a:lnTo>
-                  <a:lnTo>
-                    <a:pt x="1276599" y="599124"/>
-                  </a:lnTo>
-                  <a:lnTo>
-                    <a:pt x="1225395" y="549197"/>
-                  </a:lnTo>
-                  <a:lnTo>
-                    <a:pt x="1174192" y="499270"/>
-                  </a:lnTo>
-                  <a:lnTo>
-                    <a:pt x="1122988" y="449343"/>
-                  </a:lnTo>
-                  <a:lnTo>
-                    <a:pt x="1071784" y="399416"/>
-                  </a:lnTo>
-                  <a:lnTo>
-                    <a:pt x="1020581" y="349489"/>
-                  </a:lnTo>
-                  <a:lnTo>
-                    <a:pt x="969377" y="299562"/>
-                  </a:lnTo>
-                  <a:lnTo>
-                    <a:pt x="918174" y="249635"/>
-                  </a:lnTo>
-                  <a:lnTo>
-                    <a:pt x="866970" y="199708"/>
-                  </a:lnTo>
-                  <a:lnTo>
-                    <a:pt x="815766" y="149781"/>
-                  </a:lnTo>
-                  <a:lnTo>
-                    <a:pt x="764563" y="99854"/>
-                  </a:lnTo>
-                  <a:lnTo>
-                    <a:pt x="713359" y="49927"/>
+                    <a:pt x="601430" y="63756"/>
+                  </a:lnTo>
+                  <a:lnTo>
+                    <a:pt x="579951" y="127512"/>
+                  </a:lnTo>
+                  <a:lnTo>
+                    <a:pt x="558471" y="191268"/>
+                  </a:lnTo>
+                  <a:lnTo>
+                    <a:pt x="536991" y="255024"/>
+                  </a:lnTo>
+                  <a:lnTo>
+                    <a:pt x="515512" y="318780"/>
+                  </a:lnTo>
+                  <a:lnTo>
+                    <a:pt x="494032" y="382536"/>
+                  </a:lnTo>
+                  <a:lnTo>
+                    <a:pt x="472552" y="446292"/>
+                  </a:lnTo>
+                  <a:lnTo>
+                    <a:pt x="451073" y="510048"/>
+                  </a:lnTo>
+                  <a:lnTo>
+                    <a:pt x="429593" y="573804"/>
+                  </a:lnTo>
+                  <a:lnTo>
+                    <a:pt x="408113" y="637561"/>
+                  </a:lnTo>
+                  <a:lnTo>
+                    <a:pt x="386634" y="701317"/>
+                  </a:lnTo>
+                  <a:lnTo>
+                    <a:pt x="365154" y="765073"/>
+                  </a:lnTo>
+                  <a:lnTo>
+                    <a:pt x="343674" y="828829"/>
+                  </a:lnTo>
+                  <a:lnTo>
+                    <a:pt x="322195" y="892585"/>
+                  </a:lnTo>
+                  <a:lnTo>
+                    <a:pt x="300715" y="956341"/>
+                  </a:lnTo>
+                  <a:lnTo>
+                    <a:pt x="279235" y="1020097"/>
+                  </a:lnTo>
+                  <a:lnTo>
+                    <a:pt x="257756" y="1083853"/>
+                  </a:lnTo>
+                  <a:lnTo>
+                    <a:pt x="236276" y="1147609"/>
+                  </a:lnTo>
+                  <a:lnTo>
+                    <a:pt x="214796" y="1211366"/>
+                  </a:lnTo>
+                  <a:lnTo>
+                    <a:pt x="193317" y="1275122"/>
+                  </a:lnTo>
+                  <a:lnTo>
+                    <a:pt x="171837" y="1338878"/>
+                  </a:lnTo>
+                  <a:lnTo>
+                    <a:pt x="150357" y="1402634"/>
+                  </a:lnTo>
+                  <a:lnTo>
+                    <a:pt x="128878" y="1466390"/>
+                  </a:lnTo>
+                  <a:lnTo>
+                    <a:pt x="107398" y="1530146"/>
+                  </a:lnTo>
+                  <a:lnTo>
+                    <a:pt x="85918" y="1593902"/>
+                  </a:lnTo>
+                  <a:lnTo>
+                    <a:pt x="64439" y="1657658"/>
+                  </a:lnTo>
+                  <a:lnTo>
+                    <a:pt x="42959" y="1721414"/>
+                  </a:lnTo>
+                  <a:lnTo>
+                    <a:pt x="21479" y="1785171"/>
+                  </a:lnTo>
+                  <a:lnTo>
+                    <a:pt x="0" y="1848927"/>
+                  </a:lnTo>
+                  <a:lnTo>
+                    <a:pt x="63266" y="1869050"/>
+                  </a:lnTo>
+                  <a:lnTo>
+                    <a:pt x="127181" y="1887008"/>
+                  </a:lnTo>
+                  <a:lnTo>
+                    <a:pt x="191670" y="1902782"/>
+                  </a:lnTo>
+                  <a:lnTo>
+                    <a:pt x="256659" y="1916353"/>
+                  </a:lnTo>
+                  <a:lnTo>
+                    <a:pt x="322071" y="1927704"/>
+                  </a:lnTo>
+                  <a:lnTo>
+                    <a:pt x="387832" y="1936824"/>
+                  </a:lnTo>
+                  <a:lnTo>
+                    <a:pt x="453865" y="1943700"/>
+                  </a:lnTo>
+                  <a:lnTo>
+                    <a:pt x="520093" y="1948326"/>
+                  </a:lnTo>
+                  <a:lnTo>
+                    <a:pt x="586441" y="1950697"/>
+                  </a:lnTo>
+                  <a:lnTo>
+                    <a:pt x="652831" y="1950808"/>
+                  </a:lnTo>
+                  <a:lnTo>
+                    <a:pt x="719187" y="1948660"/>
+                  </a:lnTo>
+                  <a:lnTo>
+                    <a:pt x="785430" y="1944257"/>
+                  </a:lnTo>
+                  <a:lnTo>
+                    <a:pt x="851486" y="1937602"/>
+                  </a:lnTo>
+                  <a:lnTo>
+                    <a:pt x="917277" y="1928703"/>
+                  </a:lnTo>
+                  <a:lnTo>
+                    <a:pt x="982727" y="1917571"/>
+                  </a:lnTo>
+                  <a:lnTo>
+                    <a:pt x="1047761" y="1904219"/>
+                  </a:lnTo>
+                  <a:lnTo>
+                    <a:pt x="1112302" y="1888661"/>
+                  </a:lnTo>
+                  <a:lnTo>
+                    <a:pt x="1176277" y="1870917"/>
+                  </a:lnTo>
+                  <a:lnTo>
+                    <a:pt x="1239611" y="1851007"/>
+                  </a:lnTo>
+                  <a:lnTo>
+                    <a:pt x="1302231" y="1828953"/>
+                  </a:lnTo>
+                  <a:lnTo>
+                    <a:pt x="1364065" y="1804782"/>
+                  </a:lnTo>
+                  <a:lnTo>
+                    <a:pt x="1425040" y="1778520"/>
+                  </a:lnTo>
+                  <a:lnTo>
+                    <a:pt x="1485086" y="1750200"/>
+                  </a:lnTo>
+                  <a:lnTo>
+                    <a:pt x="1544135" y="1719852"/>
+                  </a:lnTo>
+                  <a:lnTo>
+                    <a:pt x="1602116" y="1687514"/>
+                  </a:lnTo>
+                  <a:lnTo>
+                    <a:pt x="1658964" y="1653221"/>
+                  </a:lnTo>
+                  <a:lnTo>
+                    <a:pt x="1714612" y="1617014"/>
+                  </a:lnTo>
+                  <a:lnTo>
+                    <a:pt x="1768996" y="1578935"/>
+                  </a:lnTo>
+                  <a:lnTo>
+                    <a:pt x="1822052" y="1539027"/>
+                  </a:lnTo>
+                  <a:lnTo>
+                    <a:pt x="1873721" y="1497338"/>
+                  </a:lnTo>
+                  <a:lnTo>
+                    <a:pt x="1923941" y="1453914"/>
+                  </a:lnTo>
+                  <a:lnTo>
+                    <a:pt x="1972654" y="1408807"/>
+                  </a:lnTo>
+                  <a:lnTo>
+                    <a:pt x="2019805" y="1362069"/>
+                  </a:lnTo>
+                  <a:lnTo>
+                    <a:pt x="1971636" y="1315101"/>
+                  </a:lnTo>
+                  <a:lnTo>
+                    <a:pt x="1923467" y="1268133"/>
+                  </a:lnTo>
+                  <a:lnTo>
+                    <a:pt x="1875298" y="1221165"/>
+                  </a:lnTo>
+                  <a:lnTo>
+                    <a:pt x="1827130" y="1174197"/>
+                  </a:lnTo>
+                  <a:lnTo>
+                    <a:pt x="1778961" y="1127229"/>
+                  </a:lnTo>
+                  <a:lnTo>
+                    <a:pt x="1730792" y="1080262"/>
+                  </a:lnTo>
+                  <a:lnTo>
+                    <a:pt x="1682623" y="1033294"/>
+                  </a:lnTo>
+                  <a:lnTo>
+                    <a:pt x="1634454" y="986326"/>
+                  </a:lnTo>
+                  <a:lnTo>
+                    <a:pt x="1586286" y="939358"/>
+                  </a:lnTo>
+                  <a:lnTo>
+                    <a:pt x="1538117" y="892390"/>
+                  </a:lnTo>
+                  <a:lnTo>
+                    <a:pt x="1489948" y="845422"/>
+                  </a:lnTo>
+                  <a:lnTo>
+                    <a:pt x="1441779" y="798454"/>
+                  </a:lnTo>
+                  <a:lnTo>
+                    <a:pt x="1393611" y="751486"/>
+                  </a:lnTo>
+                  <a:lnTo>
+                    <a:pt x="1345442" y="704518"/>
+                  </a:lnTo>
+                  <a:lnTo>
+                    <a:pt x="1297273" y="657550"/>
+                  </a:lnTo>
+                  <a:lnTo>
+                    <a:pt x="1249104" y="610582"/>
+                  </a:lnTo>
+                  <a:lnTo>
+                    <a:pt x="1200935" y="563614"/>
+                  </a:lnTo>
+                  <a:lnTo>
+                    <a:pt x="1152767" y="516647"/>
+                  </a:lnTo>
+                  <a:lnTo>
+                    <a:pt x="1104598" y="469679"/>
+                  </a:lnTo>
+                  <a:lnTo>
+                    <a:pt x="1056429" y="422711"/>
+                  </a:lnTo>
+                  <a:lnTo>
+                    <a:pt x="1008260" y="375743"/>
+                  </a:lnTo>
+                  <a:lnTo>
+                    <a:pt x="960091" y="328775"/>
+                  </a:lnTo>
+                  <a:lnTo>
+                    <a:pt x="911923" y="281807"/>
+                  </a:lnTo>
+                  <a:lnTo>
+                    <a:pt x="863754" y="234839"/>
+                  </a:lnTo>
+                  <a:lnTo>
+                    <a:pt x="815585" y="187871"/>
+                  </a:lnTo>
+                  <a:lnTo>
+                    <a:pt x="767416" y="140903"/>
+                  </a:lnTo>
+                  <a:lnTo>
+                    <a:pt x="719247" y="93935"/>
+                  </a:lnTo>
+                  <a:lnTo>
+                    <a:pt x="671079" y="46967"/>
                   </a:lnTo>
                   <a:close/>
                 </a:path>
@@ -5411,213 +5465,213 @@
           </p:nvSpPr>
           <p:spPr>
             <a:xfrm>
-              <a:off x="4535589" y="4096666"/>
-              <a:ext cx="1262009" cy="1965416"/>
+              <a:off x="4610388" y="3943013"/>
+              <a:ext cx="1187210" cy="1848927"/>
             </a:xfrm>
             <a:custGeom>
               <a:avLst/>
               <a:pathLst>
-                <a:path w="1262009" h="1965416">
+                <a:path w="1187210" h="1848927">
                   <a:moveTo>
-                    <a:pt x="1262009" y="0"/>
+                    <a:pt x="1187210" y="0"/>
                   </a:moveTo>
                   <a:lnTo>
-                    <a:pt x="1218492" y="56751"/>
-                  </a:lnTo>
-                  <a:lnTo>
-                    <a:pt x="1174974" y="113503"/>
-                  </a:lnTo>
-                  <a:lnTo>
-                    <a:pt x="1131456" y="170254"/>
-                  </a:lnTo>
-                  <a:lnTo>
-                    <a:pt x="1087939" y="227006"/>
-                  </a:lnTo>
-                  <a:lnTo>
-                    <a:pt x="1044421" y="283757"/>
-                  </a:lnTo>
-                  <a:lnTo>
-                    <a:pt x="1000904" y="340509"/>
-                  </a:lnTo>
-                  <a:lnTo>
-                    <a:pt x="957386" y="397261"/>
-                  </a:lnTo>
-                  <a:lnTo>
-                    <a:pt x="913869" y="454012"/>
-                  </a:lnTo>
-                  <a:lnTo>
-                    <a:pt x="870351" y="510764"/>
-                  </a:lnTo>
-                  <a:lnTo>
-                    <a:pt x="826833" y="567515"/>
-                  </a:lnTo>
-                  <a:lnTo>
-                    <a:pt x="783316" y="624267"/>
-                  </a:lnTo>
-                  <a:lnTo>
-                    <a:pt x="739798" y="681019"/>
-                  </a:lnTo>
-                  <a:lnTo>
-                    <a:pt x="696281" y="737770"/>
-                  </a:lnTo>
-                  <a:lnTo>
-                    <a:pt x="652763" y="794522"/>
-                  </a:lnTo>
-                  <a:lnTo>
-                    <a:pt x="609246" y="851273"/>
-                  </a:lnTo>
-                  <a:lnTo>
-                    <a:pt x="565728" y="908025"/>
-                  </a:lnTo>
-                  <a:lnTo>
-                    <a:pt x="522210" y="964776"/>
-                  </a:lnTo>
-                  <a:lnTo>
-                    <a:pt x="478693" y="1021528"/>
-                  </a:lnTo>
-                  <a:lnTo>
-                    <a:pt x="435175" y="1078280"/>
-                  </a:lnTo>
-                  <a:lnTo>
-                    <a:pt x="391658" y="1135031"/>
-                  </a:lnTo>
-                  <a:lnTo>
-                    <a:pt x="348140" y="1191783"/>
-                  </a:lnTo>
-                  <a:lnTo>
-                    <a:pt x="304623" y="1248534"/>
-                  </a:lnTo>
-                  <a:lnTo>
-                    <a:pt x="261105" y="1305286"/>
-                  </a:lnTo>
-                  <a:lnTo>
-                    <a:pt x="217587" y="1362038"/>
-                  </a:lnTo>
-                  <a:lnTo>
-                    <a:pt x="174070" y="1418789"/>
-                  </a:lnTo>
-                  <a:lnTo>
-                    <a:pt x="130552" y="1475541"/>
-                  </a:lnTo>
-                  <a:lnTo>
-                    <a:pt x="87035" y="1532292"/>
-                  </a:lnTo>
-                  <a:lnTo>
-                    <a:pt x="43517" y="1589044"/>
-                  </a:lnTo>
-                  <a:lnTo>
-                    <a:pt x="0" y="1645796"/>
-                  </a:lnTo>
-                  <a:lnTo>
-                    <a:pt x="61032" y="1690847"/>
-                  </a:lnTo>
-                  <a:lnTo>
-                    <a:pt x="123671" y="1733637"/>
-                  </a:lnTo>
-                  <a:lnTo>
-                    <a:pt x="187833" y="1774107"/>
-                  </a:lnTo>
-                  <a:lnTo>
-                    <a:pt x="253432" y="1812204"/>
-                  </a:lnTo>
-                  <a:lnTo>
-                    <a:pt x="320381" y="1847876"/>
-                  </a:lnTo>
-                  <a:lnTo>
-                    <a:pt x="388589" y="1881077"/>
-                  </a:lnTo>
-                  <a:lnTo>
-                    <a:pt x="457966" y="1911760"/>
-                  </a:lnTo>
-                  <a:lnTo>
-                    <a:pt x="528419" y="1939886"/>
-                  </a:lnTo>
-                  <a:lnTo>
-                    <a:pt x="599853" y="1965416"/>
-                  </a:lnTo>
-                  <a:lnTo>
-                    <a:pt x="622686" y="1897643"/>
-                  </a:lnTo>
-                  <a:lnTo>
-                    <a:pt x="645519" y="1829870"/>
-                  </a:lnTo>
-                  <a:lnTo>
-                    <a:pt x="668352" y="1762097"/>
-                  </a:lnTo>
-                  <a:lnTo>
-                    <a:pt x="691185" y="1694324"/>
-                  </a:lnTo>
-                  <a:lnTo>
-                    <a:pt x="714018" y="1626551"/>
-                  </a:lnTo>
-                  <a:lnTo>
-                    <a:pt x="736851" y="1558778"/>
-                  </a:lnTo>
-                  <a:lnTo>
-                    <a:pt x="759684" y="1491005"/>
-                  </a:lnTo>
-                  <a:lnTo>
-                    <a:pt x="782517" y="1423232"/>
-                  </a:lnTo>
-                  <a:lnTo>
-                    <a:pt x="805350" y="1355459"/>
-                  </a:lnTo>
-                  <a:lnTo>
-                    <a:pt x="828183" y="1287686"/>
-                  </a:lnTo>
-                  <a:lnTo>
-                    <a:pt x="851016" y="1219913"/>
-                  </a:lnTo>
-                  <a:lnTo>
-                    <a:pt x="873849" y="1152140"/>
-                  </a:lnTo>
-                  <a:lnTo>
-                    <a:pt x="896682" y="1084367"/>
-                  </a:lnTo>
-                  <a:lnTo>
-                    <a:pt x="919515" y="1016594"/>
-                  </a:lnTo>
-                  <a:lnTo>
-                    <a:pt x="942348" y="948821"/>
-                  </a:lnTo>
-                  <a:lnTo>
-                    <a:pt x="965181" y="881048"/>
-                  </a:lnTo>
-                  <a:lnTo>
-                    <a:pt x="988013" y="813275"/>
-                  </a:lnTo>
-                  <a:lnTo>
-                    <a:pt x="1010846" y="745502"/>
-                  </a:lnTo>
-                  <a:lnTo>
-                    <a:pt x="1033679" y="677729"/>
-                  </a:lnTo>
-                  <a:lnTo>
-                    <a:pt x="1056512" y="609956"/>
-                  </a:lnTo>
-                  <a:lnTo>
-                    <a:pt x="1079345" y="542183"/>
-                  </a:lnTo>
-                  <a:lnTo>
-                    <a:pt x="1102178" y="474410"/>
-                  </a:lnTo>
-                  <a:lnTo>
-                    <a:pt x="1125011" y="406637"/>
-                  </a:lnTo>
-                  <a:lnTo>
-                    <a:pt x="1147844" y="338864"/>
-                  </a:lnTo>
-                  <a:lnTo>
-                    <a:pt x="1170677" y="271091"/>
-                  </a:lnTo>
-                  <a:lnTo>
-                    <a:pt x="1193510" y="203318"/>
-                  </a:lnTo>
-                  <a:lnTo>
-                    <a:pt x="1216343" y="135545"/>
-                  </a:lnTo>
-                  <a:lnTo>
-                    <a:pt x="1239176" y="67772"/>
+                    <a:pt x="1146272" y="53387"/>
+                  </a:lnTo>
+                  <a:lnTo>
+                    <a:pt x="1105334" y="106775"/>
+                  </a:lnTo>
+                  <a:lnTo>
+                    <a:pt x="1064395" y="160163"/>
+                  </a:lnTo>
+                  <a:lnTo>
+                    <a:pt x="1023457" y="213551"/>
+                  </a:lnTo>
+                  <a:lnTo>
+                    <a:pt x="982519" y="266939"/>
+                  </a:lnTo>
+                  <a:lnTo>
+                    <a:pt x="941581" y="320327"/>
+                  </a:lnTo>
+                  <a:lnTo>
+                    <a:pt x="900642" y="373715"/>
+                  </a:lnTo>
+                  <a:lnTo>
+                    <a:pt x="859704" y="427103"/>
+                  </a:lnTo>
+                  <a:lnTo>
+                    <a:pt x="818766" y="480491"/>
+                  </a:lnTo>
+                  <a:lnTo>
+                    <a:pt x="777827" y="533879"/>
+                  </a:lnTo>
+                  <a:lnTo>
+                    <a:pt x="736889" y="587267"/>
+                  </a:lnTo>
+                  <a:lnTo>
+                    <a:pt x="695951" y="640655"/>
+                  </a:lnTo>
+                  <a:lnTo>
+                    <a:pt x="655012" y="694043"/>
+                  </a:lnTo>
+                  <a:lnTo>
+                    <a:pt x="614074" y="747431"/>
+                  </a:lnTo>
+                  <a:lnTo>
+                    <a:pt x="573136" y="800819"/>
+                  </a:lnTo>
+                  <a:lnTo>
+                    <a:pt x="532197" y="854207"/>
+                  </a:lnTo>
+                  <a:lnTo>
+                    <a:pt x="491259" y="907595"/>
+                  </a:lnTo>
+                  <a:lnTo>
+                    <a:pt x="450321" y="960983"/>
+                  </a:lnTo>
+                  <a:lnTo>
+                    <a:pt x="409383" y="1014370"/>
+                  </a:lnTo>
+                  <a:lnTo>
+                    <a:pt x="368444" y="1067758"/>
+                  </a:lnTo>
+                  <a:lnTo>
+                    <a:pt x="327506" y="1121146"/>
+                  </a:lnTo>
+                  <a:lnTo>
+                    <a:pt x="286568" y="1174534"/>
+                  </a:lnTo>
+                  <a:lnTo>
+                    <a:pt x="245629" y="1227922"/>
+                  </a:lnTo>
+                  <a:lnTo>
+                    <a:pt x="204691" y="1281310"/>
+                  </a:lnTo>
+                  <a:lnTo>
+                    <a:pt x="163753" y="1334698"/>
+                  </a:lnTo>
+                  <a:lnTo>
+                    <a:pt x="122814" y="1388086"/>
+                  </a:lnTo>
+                  <a:lnTo>
+                    <a:pt x="81876" y="1441474"/>
+                  </a:lnTo>
+                  <a:lnTo>
+                    <a:pt x="40938" y="1494862"/>
+                  </a:lnTo>
+                  <a:lnTo>
+                    <a:pt x="0" y="1548250"/>
+                  </a:lnTo>
+                  <a:lnTo>
+                    <a:pt x="57415" y="1590632"/>
+                  </a:lnTo>
+                  <a:lnTo>
+                    <a:pt x="116341" y="1630885"/>
+                  </a:lnTo>
+                  <a:lnTo>
+                    <a:pt x="176700" y="1668957"/>
+                  </a:lnTo>
+                  <a:lnTo>
+                    <a:pt x="238412" y="1704796"/>
+                  </a:lnTo>
+                  <a:lnTo>
+                    <a:pt x="301392" y="1738354"/>
+                  </a:lnTo>
+                  <a:lnTo>
+                    <a:pt x="365558" y="1769586"/>
+                  </a:lnTo>
+                  <a:lnTo>
+                    <a:pt x="430823" y="1798451"/>
+                  </a:lnTo>
+                  <a:lnTo>
+                    <a:pt x="497100" y="1824909"/>
+                  </a:lnTo>
+                  <a:lnTo>
+                    <a:pt x="564300" y="1848927"/>
+                  </a:lnTo>
+                  <a:lnTo>
+                    <a:pt x="585780" y="1785171"/>
+                  </a:lnTo>
+                  <a:lnTo>
+                    <a:pt x="607259" y="1721414"/>
+                  </a:lnTo>
+                  <a:lnTo>
+                    <a:pt x="628739" y="1657658"/>
+                  </a:lnTo>
+                  <a:lnTo>
+                    <a:pt x="650219" y="1593902"/>
+                  </a:lnTo>
+                  <a:lnTo>
+                    <a:pt x="671698" y="1530146"/>
+                  </a:lnTo>
+                  <a:lnTo>
+                    <a:pt x="693178" y="1466390"/>
+                  </a:lnTo>
+                  <a:lnTo>
+                    <a:pt x="714658" y="1402634"/>
+                  </a:lnTo>
+                  <a:lnTo>
+                    <a:pt x="736137" y="1338878"/>
+                  </a:lnTo>
+                  <a:lnTo>
+                    <a:pt x="757617" y="1275122"/>
+                  </a:lnTo>
+                  <a:lnTo>
+                    <a:pt x="779097" y="1211366"/>
+                  </a:lnTo>
+                  <a:lnTo>
+                    <a:pt x="800576" y="1147609"/>
+                  </a:lnTo>
+                  <a:lnTo>
+                    <a:pt x="822056" y="1083853"/>
+                  </a:lnTo>
+                  <a:lnTo>
+                    <a:pt x="843536" y="1020097"/>
+                  </a:lnTo>
+                  <a:lnTo>
+                    <a:pt x="865015" y="956341"/>
+                  </a:lnTo>
+                  <a:lnTo>
+                    <a:pt x="886495" y="892585"/>
+                  </a:lnTo>
+                  <a:lnTo>
+                    <a:pt x="907975" y="828829"/>
+                  </a:lnTo>
+                  <a:lnTo>
+                    <a:pt x="929454" y="765073"/>
+                  </a:lnTo>
+                  <a:lnTo>
+                    <a:pt x="950934" y="701317"/>
+                  </a:lnTo>
+                  <a:lnTo>
+                    <a:pt x="972414" y="637561"/>
+                  </a:lnTo>
+                  <a:lnTo>
+                    <a:pt x="993893" y="573804"/>
+                  </a:lnTo>
+                  <a:lnTo>
+                    <a:pt x="1015373" y="510048"/>
+                  </a:lnTo>
+                  <a:lnTo>
+                    <a:pt x="1036853" y="446292"/>
+                  </a:lnTo>
+                  <a:lnTo>
+                    <a:pt x="1058332" y="382536"/>
+                  </a:lnTo>
+                  <a:lnTo>
+                    <a:pt x="1079812" y="318780"/>
+                  </a:lnTo>
+                  <a:lnTo>
+                    <a:pt x="1101292" y="255024"/>
+                  </a:lnTo>
+                  <a:lnTo>
+                    <a:pt x="1122771" y="191268"/>
+                  </a:lnTo>
+                  <a:lnTo>
+                    <a:pt x="1144251" y="127512"/>
+                  </a:lnTo>
+                  <a:lnTo>
+                    <a:pt x="1165731" y="63756"/>
                   </a:lnTo>
                   <a:close/>
                 </a:path>
@@ -5652,207 +5706,207 @@
           </p:nvSpPr>
           <p:spPr>
             <a:xfrm>
-              <a:off x="4144509" y="4096666"/>
-              <a:ext cx="1653089" cy="1645796"/>
+              <a:off x="4242487" y="3943013"/>
+              <a:ext cx="1555111" cy="1548250"/>
             </a:xfrm>
             <a:custGeom>
               <a:avLst/>
               <a:pathLst>
-                <a:path w="1653089" h="1645796">
+                <a:path w="1555111" h="1548250">
                   <a:moveTo>
-                    <a:pt x="1653089" y="0"/>
+                    <a:pt x="1555111" y="0"/>
                   </a:moveTo>
                   <a:lnTo>
-                    <a:pt x="1596086" y="43187"/>
-                  </a:lnTo>
-                  <a:lnTo>
-                    <a:pt x="1539083" y="86375"/>
-                  </a:lnTo>
-                  <a:lnTo>
-                    <a:pt x="1482080" y="129562"/>
-                  </a:lnTo>
-                  <a:lnTo>
-                    <a:pt x="1425077" y="172750"/>
-                  </a:lnTo>
-                  <a:lnTo>
-                    <a:pt x="1368074" y="215938"/>
-                  </a:lnTo>
-                  <a:lnTo>
-                    <a:pt x="1311071" y="259125"/>
-                  </a:lnTo>
-                  <a:lnTo>
-                    <a:pt x="1254068" y="302313"/>
-                  </a:lnTo>
-                  <a:lnTo>
-                    <a:pt x="1197064" y="345500"/>
-                  </a:lnTo>
-                  <a:lnTo>
-                    <a:pt x="1140061" y="388688"/>
-                  </a:lnTo>
-                  <a:lnTo>
-                    <a:pt x="1083058" y="431876"/>
-                  </a:lnTo>
-                  <a:lnTo>
-                    <a:pt x="1026055" y="475063"/>
-                  </a:lnTo>
-                  <a:lnTo>
-                    <a:pt x="969052" y="518251"/>
-                  </a:lnTo>
-                  <a:lnTo>
-                    <a:pt x="912049" y="561438"/>
-                  </a:lnTo>
-                  <a:lnTo>
-                    <a:pt x="855046" y="604626"/>
-                  </a:lnTo>
-                  <a:lnTo>
-                    <a:pt x="798043" y="647814"/>
-                  </a:lnTo>
-                  <a:lnTo>
-                    <a:pt x="741040" y="691001"/>
-                  </a:lnTo>
-                  <a:lnTo>
-                    <a:pt x="684037" y="734189"/>
-                  </a:lnTo>
-                  <a:lnTo>
-                    <a:pt x="627034" y="777376"/>
-                  </a:lnTo>
-                  <a:lnTo>
-                    <a:pt x="570030" y="820564"/>
-                  </a:lnTo>
-                  <a:lnTo>
-                    <a:pt x="513027" y="863752"/>
-                  </a:lnTo>
-                  <a:lnTo>
-                    <a:pt x="456024" y="906939"/>
-                  </a:lnTo>
-                  <a:lnTo>
-                    <a:pt x="399021" y="950127"/>
-                  </a:lnTo>
-                  <a:lnTo>
-                    <a:pt x="342018" y="993314"/>
-                  </a:lnTo>
-                  <a:lnTo>
-                    <a:pt x="285015" y="1036502"/>
-                  </a:lnTo>
-                  <a:lnTo>
-                    <a:pt x="228012" y="1079690"/>
-                  </a:lnTo>
-                  <a:lnTo>
-                    <a:pt x="171009" y="1122877"/>
-                  </a:lnTo>
-                  <a:lnTo>
-                    <a:pt x="114006" y="1166065"/>
-                  </a:lnTo>
-                  <a:lnTo>
-                    <a:pt x="57003" y="1209252"/>
-                  </a:lnTo>
-                  <a:lnTo>
-                    <a:pt x="0" y="1252440"/>
-                  </a:lnTo>
-                  <a:lnTo>
-                    <a:pt x="49198" y="1314855"/>
-                  </a:lnTo>
-                  <a:lnTo>
-                    <a:pt x="100751" y="1375339"/>
-                  </a:lnTo>
-                  <a:lnTo>
-                    <a:pt x="154583" y="1433803"/>
-                  </a:lnTo>
-                  <a:lnTo>
-                    <a:pt x="210616" y="1490162"/>
-                  </a:lnTo>
-                  <a:lnTo>
-                    <a:pt x="268767" y="1544333"/>
-                  </a:lnTo>
-                  <a:lnTo>
-                    <a:pt x="328951" y="1596236"/>
-                  </a:lnTo>
-                  <a:lnTo>
-                    <a:pt x="391080" y="1645796"/>
-                  </a:lnTo>
-                  <a:lnTo>
-                    <a:pt x="434597" y="1589044"/>
-                  </a:lnTo>
-                  <a:lnTo>
-                    <a:pt x="478115" y="1532292"/>
-                  </a:lnTo>
-                  <a:lnTo>
-                    <a:pt x="521632" y="1475541"/>
-                  </a:lnTo>
-                  <a:lnTo>
-                    <a:pt x="565150" y="1418789"/>
-                  </a:lnTo>
-                  <a:lnTo>
-                    <a:pt x="608667" y="1362038"/>
-                  </a:lnTo>
-                  <a:lnTo>
-                    <a:pt x="652185" y="1305286"/>
-                  </a:lnTo>
-                  <a:lnTo>
-                    <a:pt x="695703" y="1248534"/>
-                  </a:lnTo>
-                  <a:lnTo>
-                    <a:pt x="739220" y="1191783"/>
-                  </a:lnTo>
-                  <a:lnTo>
-                    <a:pt x="782738" y="1135031"/>
-                  </a:lnTo>
-                  <a:lnTo>
-                    <a:pt x="826255" y="1078280"/>
-                  </a:lnTo>
-                  <a:lnTo>
-                    <a:pt x="869773" y="1021528"/>
-                  </a:lnTo>
-                  <a:lnTo>
-                    <a:pt x="913291" y="964776"/>
-                  </a:lnTo>
-                  <a:lnTo>
-                    <a:pt x="956808" y="908025"/>
-                  </a:lnTo>
-                  <a:lnTo>
-                    <a:pt x="1000326" y="851273"/>
-                  </a:lnTo>
-                  <a:lnTo>
-                    <a:pt x="1043843" y="794522"/>
-                  </a:lnTo>
-                  <a:lnTo>
-                    <a:pt x="1087361" y="737770"/>
-                  </a:lnTo>
-                  <a:lnTo>
-                    <a:pt x="1130878" y="681019"/>
-                  </a:lnTo>
-                  <a:lnTo>
-                    <a:pt x="1174396" y="624267"/>
-                  </a:lnTo>
-                  <a:lnTo>
-                    <a:pt x="1217914" y="567515"/>
-                  </a:lnTo>
-                  <a:lnTo>
-                    <a:pt x="1261431" y="510764"/>
-                  </a:lnTo>
-                  <a:lnTo>
-                    <a:pt x="1304949" y="454012"/>
-                  </a:lnTo>
-                  <a:lnTo>
-                    <a:pt x="1348466" y="397261"/>
-                  </a:lnTo>
-                  <a:lnTo>
-                    <a:pt x="1391984" y="340509"/>
-                  </a:lnTo>
-                  <a:lnTo>
-                    <a:pt x="1435501" y="283757"/>
-                  </a:lnTo>
-                  <a:lnTo>
-                    <a:pt x="1479019" y="227006"/>
-                  </a:lnTo>
-                  <a:lnTo>
-                    <a:pt x="1522537" y="170254"/>
-                  </a:lnTo>
-                  <a:lnTo>
-                    <a:pt x="1566054" y="113503"/>
-                  </a:lnTo>
-                  <a:lnTo>
-                    <a:pt x="1609572" y="56751"/>
+                    <a:pt x="1501487" y="40627"/>
+                  </a:lnTo>
+                  <a:lnTo>
+                    <a:pt x="1447862" y="81255"/>
+                  </a:lnTo>
+                  <a:lnTo>
+                    <a:pt x="1394238" y="121883"/>
+                  </a:lnTo>
+                  <a:lnTo>
+                    <a:pt x="1340613" y="162511"/>
+                  </a:lnTo>
+                  <a:lnTo>
+                    <a:pt x="1286989" y="203139"/>
+                  </a:lnTo>
+                  <a:lnTo>
+                    <a:pt x="1233364" y="243767"/>
+                  </a:lnTo>
+                  <a:lnTo>
+                    <a:pt x="1179740" y="284395"/>
+                  </a:lnTo>
+                  <a:lnTo>
+                    <a:pt x="1126115" y="325023"/>
+                  </a:lnTo>
+                  <a:lnTo>
+                    <a:pt x="1072490" y="365651"/>
+                  </a:lnTo>
+                  <a:lnTo>
+                    <a:pt x="1018866" y="406278"/>
+                  </a:lnTo>
+                  <a:lnTo>
+                    <a:pt x="965241" y="446906"/>
+                  </a:lnTo>
+                  <a:lnTo>
+                    <a:pt x="911617" y="487534"/>
+                  </a:lnTo>
+                  <a:lnTo>
+                    <a:pt x="857992" y="528162"/>
+                  </a:lnTo>
+                  <a:lnTo>
+                    <a:pt x="804368" y="568790"/>
+                  </a:lnTo>
+                  <a:lnTo>
+                    <a:pt x="750743" y="609418"/>
+                  </a:lnTo>
+                  <a:lnTo>
+                    <a:pt x="697119" y="650046"/>
+                  </a:lnTo>
+                  <a:lnTo>
+                    <a:pt x="643494" y="690674"/>
+                  </a:lnTo>
+                  <a:lnTo>
+                    <a:pt x="589870" y="731302"/>
+                  </a:lnTo>
+                  <a:lnTo>
+                    <a:pt x="536245" y="771929"/>
+                  </a:lnTo>
+                  <a:lnTo>
+                    <a:pt x="482620" y="812557"/>
+                  </a:lnTo>
+                  <a:lnTo>
+                    <a:pt x="428996" y="853185"/>
+                  </a:lnTo>
+                  <a:lnTo>
+                    <a:pt x="375371" y="893813"/>
+                  </a:lnTo>
+                  <a:lnTo>
+                    <a:pt x="321747" y="934441"/>
+                  </a:lnTo>
+                  <a:lnTo>
+                    <a:pt x="268122" y="975069"/>
+                  </a:lnTo>
+                  <a:lnTo>
+                    <a:pt x="214498" y="1015697"/>
+                  </a:lnTo>
+                  <a:lnTo>
+                    <a:pt x="160873" y="1056325"/>
+                  </a:lnTo>
+                  <a:lnTo>
+                    <a:pt x="107249" y="1096953"/>
+                  </a:lnTo>
+                  <a:lnTo>
+                    <a:pt x="53624" y="1137580"/>
+                  </a:lnTo>
+                  <a:lnTo>
+                    <a:pt x="0" y="1178208"/>
+                  </a:lnTo>
+                  <a:lnTo>
+                    <a:pt x="46282" y="1236924"/>
+                  </a:lnTo>
+                  <a:lnTo>
+                    <a:pt x="94779" y="1293823"/>
+                  </a:lnTo>
+                  <a:lnTo>
+                    <a:pt x="145421" y="1348822"/>
+                  </a:lnTo>
+                  <a:lnTo>
+                    <a:pt x="198133" y="1401841"/>
+                  </a:lnTo>
+                  <a:lnTo>
+                    <a:pt x="252838" y="1452801"/>
+                  </a:lnTo>
+                  <a:lnTo>
+                    <a:pt x="309455" y="1501628"/>
+                  </a:lnTo>
+                  <a:lnTo>
+                    <a:pt x="367900" y="1548250"/>
+                  </a:lnTo>
+                  <a:lnTo>
+                    <a:pt x="408839" y="1494862"/>
+                  </a:lnTo>
+                  <a:lnTo>
+                    <a:pt x="449777" y="1441474"/>
+                  </a:lnTo>
+                  <a:lnTo>
+                    <a:pt x="490715" y="1388086"/>
+                  </a:lnTo>
+                  <a:lnTo>
+                    <a:pt x="531654" y="1334698"/>
+                  </a:lnTo>
+                  <a:lnTo>
+                    <a:pt x="572592" y="1281310"/>
+                  </a:lnTo>
+                  <a:lnTo>
+                    <a:pt x="613530" y="1227922"/>
+                  </a:lnTo>
+                  <a:lnTo>
+                    <a:pt x="654469" y="1174534"/>
+                  </a:lnTo>
+                  <a:lnTo>
+                    <a:pt x="695407" y="1121146"/>
+                  </a:lnTo>
+                  <a:lnTo>
+                    <a:pt x="736345" y="1067758"/>
+                  </a:lnTo>
+                  <a:lnTo>
+                    <a:pt x="777284" y="1014370"/>
+                  </a:lnTo>
+                  <a:lnTo>
+                    <a:pt x="818222" y="960983"/>
+                  </a:lnTo>
+                  <a:lnTo>
+                    <a:pt x="859160" y="907595"/>
+                  </a:lnTo>
+                  <a:lnTo>
+                    <a:pt x="900098" y="854207"/>
+                  </a:lnTo>
+                  <a:lnTo>
+                    <a:pt x="941037" y="800819"/>
+                  </a:lnTo>
+                  <a:lnTo>
+                    <a:pt x="981975" y="747431"/>
+                  </a:lnTo>
+                  <a:lnTo>
+                    <a:pt x="1022913" y="694043"/>
+                  </a:lnTo>
+                  <a:lnTo>
+                    <a:pt x="1063852" y="640655"/>
+                  </a:lnTo>
+                  <a:lnTo>
+                    <a:pt x="1104790" y="587267"/>
+                  </a:lnTo>
+                  <a:lnTo>
+                    <a:pt x="1145728" y="533879"/>
+                  </a:lnTo>
+                  <a:lnTo>
+                    <a:pt x="1186667" y="480491"/>
+                  </a:lnTo>
+                  <a:lnTo>
+                    <a:pt x="1227605" y="427103"/>
+                  </a:lnTo>
+                  <a:lnTo>
+                    <a:pt x="1268543" y="373715"/>
+                  </a:lnTo>
+                  <a:lnTo>
+                    <a:pt x="1309481" y="320327"/>
+                  </a:lnTo>
+                  <a:lnTo>
+                    <a:pt x="1350420" y="266939"/>
+                  </a:lnTo>
+                  <a:lnTo>
+                    <a:pt x="1391358" y="213551"/>
+                  </a:lnTo>
+                  <a:lnTo>
+                    <a:pt x="1432296" y="160163"/>
+                  </a:lnTo>
+                  <a:lnTo>
+                    <a:pt x="1473235" y="106775"/>
+                  </a:lnTo>
+                  <a:lnTo>
+                    <a:pt x="1514173" y="53387"/>
                   </a:lnTo>
                   <a:close/>
                 </a:path>
@@ -5887,282 +5941,282 @@
           </p:nvSpPr>
           <p:spPr>
             <a:xfrm>
-              <a:off x="3723639" y="3208193"/>
-              <a:ext cx="2073960" cy="2140913"/>
+              <a:off x="3846561" y="3107199"/>
+              <a:ext cx="1951037" cy="2014022"/>
             </a:xfrm>
             <a:custGeom>
               <a:avLst/>
               <a:pathLst>
-                <a:path w="2073960" h="2140913">
+                <a:path w="1951037" h="2014022">
                   <a:moveTo>
-                    <a:pt x="2073960" y="888473"/>
+                    <a:pt x="1951037" y="835813"/>
                   </a:moveTo>
                   <a:lnTo>
-                    <a:pt x="2009339" y="857836"/>
-                  </a:lnTo>
-                  <a:lnTo>
-                    <a:pt x="1944718" y="827199"/>
-                  </a:lnTo>
-                  <a:lnTo>
-                    <a:pt x="1880096" y="796562"/>
-                  </a:lnTo>
-                  <a:lnTo>
-                    <a:pt x="1815475" y="765925"/>
-                  </a:lnTo>
-                  <a:lnTo>
-                    <a:pt x="1750854" y="735288"/>
-                  </a:lnTo>
-                  <a:lnTo>
-                    <a:pt x="1686233" y="704651"/>
-                  </a:lnTo>
-                  <a:lnTo>
-                    <a:pt x="1621612" y="674014"/>
-                  </a:lnTo>
-                  <a:lnTo>
-                    <a:pt x="1556990" y="643377"/>
-                  </a:lnTo>
-                  <a:lnTo>
-                    <a:pt x="1492369" y="612740"/>
-                  </a:lnTo>
-                  <a:lnTo>
-                    <a:pt x="1427748" y="582103"/>
-                  </a:lnTo>
-                  <a:lnTo>
-                    <a:pt x="1363127" y="551466"/>
-                  </a:lnTo>
-                  <a:lnTo>
-                    <a:pt x="1298506" y="520829"/>
-                  </a:lnTo>
-                  <a:lnTo>
-                    <a:pt x="1233885" y="490192"/>
-                  </a:lnTo>
-                  <a:lnTo>
-                    <a:pt x="1169263" y="459555"/>
-                  </a:lnTo>
-                  <a:lnTo>
-                    <a:pt x="1104642" y="428918"/>
-                  </a:lnTo>
-                  <a:lnTo>
-                    <a:pt x="1040021" y="398281"/>
-                  </a:lnTo>
-                  <a:lnTo>
-                    <a:pt x="975400" y="367644"/>
-                  </a:lnTo>
-                  <a:lnTo>
-                    <a:pt x="910779" y="337007"/>
-                  </a:lnTo>
-                  <a:lnTo>
-                    <a:pt x="846158" y="306370"/>
-                  </a:lnTo>
-                  <a:lnTo>
-                    <a:pt x="781536" y="275733"/>
-                  </a:lnTo>
-                  <a:lnTo>
-                    <a:pt x="716915" y="245096"/>
-                  </a:lnTo>
-                  <a:lnTo>
-                    <a:pt x="652294" y="214459"/>
-                  </a:lnTo>
-                  <a:lnTo>
-                    <a:pt x="587673" y="183822"/>
-                  </a:lnTo>
-                  <a:lnTo>
-                    <a:pt x="523052" y="153185"/>
-                  </a:lnTo>
-                  <a:lnTo>
-                    <a:pt x="458431" y="122548"/>
-                  </a:lnTo>
-                  <a:lnTo>
-                    <a:pt x="393809" y="91911"/>
-                  </a:lnTo>
-                  <a:lnTo>
-                    <a:pt x="329188" y="61274"/>
-                  </a:lnTo>
-                  <a:lnTo>
-                    <a:pt x="264567" y="30637"/>
-                  </a:lnTo>
-                  <a:lnTo>
-                    <a:pt x="199946" y="0"/>
-                  </a:lnTo>
-                  <a:lnTo>
-                    <a:pt x="170747" y="64401"/>
-                  </a:lnTo>
-                  <a:lnTo>
-                    <a:pt x="143761" y="129760"/>
-                  </a:lnTo>
-                  <a:lnTo>
-                    <a:pt x="119018" y="196001"/>
-                  </a:lnTo>
-                  <a:lnTo>
-                    <a:pt x="96549" y="263047"/>
-                  </a:lnTo>
-                  <a:lnTo>
-                    <a:pt x="76377" y="330820"/>
-                  </a:lnTo>
-                  <a:lnTo>
-                    <a:pt x="58528" y="399241"/>
-                  </a:lnTo>
-                  <a:lnTo>
-                    <a:pt x="43022" y="468231"/>
-                  </a:lnTo>
-                  <a:lnTo>
-                    <a:pt x="29876" y="537710"/>
-                  </a:lnTo>
-                  <a:lnTo>
-                    <a:pt x="19107" y="607596"/>
-                  </a:lnTo>
-                  <a:lnTo>
-                    <a:pt x="10726" y="677809"/>
-                  </a:lnTo>
-                  <a:lnTo>
-                    <a:pt x="4744" y="748267"/>
-                  </a:lnTo>
-                  <a:lnTo>
-                    <a:pt x="1167" y="818888"/>
-                  </a:lnTo>
-                  <a:lnTo>
-                    <a:pt x="0" y="889589"/>
-                  </a:lnTo>
-                  <a:lnTo>
-                    <a:pt x="1243" y="960289"/>
-                  </a:lnTo>
-                  <a:lnTo>
-                    <a:pt x="4896" y="1030906"/>
-                  </a:lnTo>
-                  <a:lnTo>
-                    <a:pt x="10954" y="1101357"/>
-                  </a:lnTo>
-                  <a:lnTo>
-                    <a:pt x="19410" y="1171561"/>
-                  </a:lnTo>
-                  <a:lnTo>
-                    <a:pt x="30255" y="1241436"/>
-                  </a:lnTo>
-                  <a:lnTo>
-                    <a:pt x="43475" y="1310900"/>
-                  </a:lnTo>
-                  <a:lnTo>
-                    <a:pt x="59056" y="1379874"/>
-                  </a:lnTo>
-                  <a:lnTo>
-                    <a:pt x="76979" y="1448276"/>
-                  </a:lnTo>
-                  <a:lnTo>
-                    <a:pt x="97223" y="1516027"/>
-                  </a:lnTo>
-                  <a:lnTo>
-                    <a:pt x="119765" y="1583049"/>
-                  </a:lnTo>
-                  <a:lnTo>
-                    <a:pt x="144579" y="1649263"/>
-                  </a:lnTo>
-                  <a:lnTo>
-                    <a:pt x="171636" y="1714593"/>
-                  </a:lnTo>
-                  <a:lnTo>
-                    <a:pt x="200904" y="1778963"/>
-                  </a:lnTo>
-                  <a:lnTo>
-                    <a:pt x="232349" y="1842298"/>
-                  </a:lnTo>
-                  <a:lnTo>
-                    <a:pt x="265935" y="1904523"/>
-                  </a:lnTo>
-                  <a:lnTo>
-                    <a:pt x="301623" y="1965568"/>
-                  </a:lnTo>
-                  <a:lnTo>
-                    <a:pt x="339371" y="2025361"/>
-                  </a:lnTo>
-                  <a:lnTo>
-                    <a:pt x="379135" y="2083832"/>
-                  </a:lnTo>
-                  <a:lnTo>
-                    <a:pt x="420870" y="2140913"/>
-                  </a:lnTo>
-                  <a:lnTo>
-                    <a:pt x="477873" y="2097725"/>
-                  </a:lnTo>
-                  <a:lnTo>
-                    <a:pt x="534876" y="2054538"/>
-                  </a:lnTo>
-                  <a:lnTo>
-                    <a:pt x="591879" y="2011350"/>
-                  </a:lnTo>
-                  <a:lnTo>
-                    <a:pt x="648882" y="1968163"/>
-                  </a:lnTo>
-                  <a:lnTo>
-                    <a:pt x="705886" y="1924975"/>
-                  </a:lnTo>
-                  <a:lnTo>
-                    <a:pt x="762889" y="1881787"/>
-                  </a:lnTo>
-                  <a:lnTo>
-                    <a:pt x="819892" y="1838600"/>
-                  </a:lnTo>
-                  <a:lnTo>
-                    <a:pt x="876895" y="1795412"/>
-                  </a:lnTo>
-                  <a:lnTo>
-                    <a:pt x="933898" y="1752225"/>
-                  </a:lnTo>
-                  <a:lnTo>
-                    <a:pt x="990901" y="1709037"/>
-                  </a:lnTo>
-                  <a:lnTo>
-                    <a:pt x="1047904" y="1665849"/>
-                  </a:lnTo>
-                  <a:lnTo>
-                    <a:pt x="1104907" y="1622662"/>
-                  </a:lnTo>
-                  <a:lnTo>
-                    <a:pt x="1161910" y="1579474"/>
-                  </a:lnTo>
-                  <a:lnTo>
-                    <a:pt x="1218913" y="1536287"/>
-                  </a:lnTo>
-                  <a:lnTo>
-                    <a:pt x="1275917" y="1493099"/>
-                  </a:lnTo>
-                  <a:lnTo>
-                    <a:pt x="1332920" y="1449911"/>
-                  </a:lnTo>
-                  <a:lnTo>
-                    <a:pt x="1389923" y="1406724"/>
-                  </a:lnTo>
-                  <a:lnTo>
-                    <a:pt x="1446926" y="1363536"/>
-                  </a:lnTo>
-                  <a:lnTo>
-                    <a:pt x="1503929" y="1320349"/>
-                  </a:lnTo>
-                  <a:lnTo>
-                    <a:pt x="1560932" y="1277161"/>
-                  </a:lnTo>
-                  <a:lnTo>
-                    <a:pt x="1617935" y="1233973"/>
-                  </a:lnTo>
-                  <a:lnTo>
-                    <a:pt x="1674938" y="1190786"/>
-                  </a:lnTo>
-                  <a:lnTo>
-                    <a:pt x="1731941" y="1147598"/>
-                  </a:lnTo>
-                  <a:lnTo>
-                    <a:pt x="1788944" y="1104411"/>
-                  </a:lnTo>
-                  <a:lnTo>
-                    <a:pt x="1845947" y="1061223"/>
-                  </a:lnTo>
-                  <a:lnTo>
-                    <a:pt x="1902951" y="1018035"/>
-                  </a:lnTo>
-                  <a:lnTo>
-                    <a:pt x="1959954" y="974848"/>
-                  </a:lnTo>
-                  <a:lnTo>
-                    <a:pt x="2016957" y="931660"/>
+                    <a:pt x="1890246" y="806992"/>
+                  </a:lnTo>
+                  <a:lnTo>
+                    <a:pt x="1829455" y="778171"/>
+                  </a:lnTo>
+                  <a:lnTo>
+                    <a:pt x="1768664" y="749350"/>
+                  </a:lnTo>
+                  <a:lnTo>
+                    <a:pt x="1707873" y="720529"/>
+                  </a:lnTo>
+                  <a:lnTo>
+                    <a:pt x="1647082" y="691707"/>
+                  </a:lnTo>
+                  <a:lnTo>
+                    <a:pt x="1586291" y="662886"/>
+                  </a:lnTo>
+                  <a:lnTo>
+                    <a:pt x="1525499" y="634065"/>
+                  </a:lnTo>
+                  <a:lnTo>
+                    <a:pt x="1464708" y="605244"/>
+                  </a:lnTo>
+                  <a:lnTo>
+                    <a:pt x="1403917" y="576423"/>
+                  </a:lnTo>
+                  <a:lnTo>
+                    <a:pt x="1343126" y="547602"/>
+                  </a:lnTo>
+                  <a:lnTo>
+                    <a:pt x="1282335" y="518780"/>
+                  </a:lnTo>
+                  <a:lnTo>
+                    <a:pt x="1221544" y="489959"/>
+                  </a:lnTo>
+                  <a:lnTo>
+                    <a:pt x="1160753" y="461138"/>
+                  </a:lnTo>
+                  <a:lnTo>
+                    <a:pt x="1099962" y="432317"/>
+                  </a:lnTo>
+                  <a:lnTo>
+                    <a:pt x="1039171" y="403496"/>
+                  </a:lnTo>
+                  <a:lnTo>
+                    <a:pt x="978379" y="374675"/>
+                  </a:lnTo>
+                  <a:lnTo>
+                    <a:pt x="917588" y="345853"/>
+                  </a:lnTo>
+                  <a:lnTo>
+                    <a:pt x="856797" y="317032"/>
+                  </a:lnTo>
+                  <a:lnTo>
+                    <a:pt x="796006" y="288211"/>
+                  </a:lnTo>
+                  <a:lnTo>
+                    <a:pt x="735215" y="259390"/>
+                  </a:lnTo>
+                  <a:lnTo>
+                    <a:pt x="674424" y="230569"/>
+                  </a:lnTo>
+                  <a:lnTo>
+                    <a:pt x="613633" y="201748"/>
+                  </a:lnTo>
+                  <a:lnTo>
+                    <a:pt x="552842" y="172926"/>
+                  </a:lnTo>
+                  <a:lnTo>
+                    <a:pt x="492051" y="144105"/>
+                  </a:lnTo>
+                  <a:lnTo>
+                    <a:pt x="431260" y="115284"/>
+                  </a:lnTo>
+                  <a:lnTo>
+                    <a:pt x="370468" y="86463"/>
+                  </a:lnTo>
+                  <a:lnTo>
+                    <a:pt x="309677" y="57642"/>
+                  </a:lnTo>
+                  <a:lnTo>
+                    <a:pt x="248886" y="28821"/>
+                  </a:lnTo>
+                  <a:lnTo>
+                    <a:pt x="188095" y="0"/>
+                  </a:lnTo>
+                  <a:lnTo>
+                    <a:pt x="160627" y="60584"/>
+                  </a:lnTo>
+                  <a:lnTo>
+                    <a:pt x="135240" y="122069"/>
+                  </a:lnTo>
+                  <a:lnTo>
+                    <a:pt x="111964" y="184384"/>
+                  </a:lnTo>
+                  <a:lnTo>
+                    <a:pt x="90826" y="247456"/>
+                  </a:lnTo>
+                  <a:lnTo>
+                    <a:pt x="71850" y="311213"/>
+                  </a:lnTo>
+                  <a:lnTo>
+                    <a:pt x="55059" y="375579"/>
+                  </a:lnTo>
+                  <a:lnTo>
+                    <a:pt x="40472" y="440480"/>
+                  </a:lnTo>
+                  <a:lnTo>
+                    <a:pt x="28105" y="505840"/>
+                  </a:lnTo>
+                  <a:lnTo>
+                    <a:pt x="17974" y="571584"/>
+                  </a:lnTo>
+                  <a:lnTo>
+                    <a:pt x="10090" y="637636"/>
+                  </a:lnTo>
+                  <a:lnTo>
+                    <a:pt x="4463" y="703917"/>
+                  </a:lnTo>
+                  <a:lnTo>
+                    <a:pt x="1098" y="770352"/>
+                  </a:lnTo>
+                  <a:lnTo>
+                    <a:pt x="0" y="836864"/>
+                  </a:lnTo>
+                  <a:lnTo>
+                    <a:pt x="1169" y="903373"/>
+                  </a:lnTo>
+                  <a:lnTo>
+                    <a:pt x="4606" y="969805"/>
+                  </a:lnTo>
+                  <a:lnTo>
+                    <a:pt x="10305" y="1036080"/>
+                  </a:lnTo>
+                  <a:lnTo>
+                    <a:pt x="18260" y="1102123"/>
+                  </a:lnTo>
+                  <a:lnTo>
+                    <a:pt x="28462" y="1167856"/>
+                  </a:lnTo>
+                  <a:lnTo>
+                    <a:pt x="40898" y="1233204"/>
+                  </a:lnTo>
+                  <a:lnTo>
+                    <a:pt x="55556" y="1298089"/>
+                  </a:lnTo>
+                  <a:lnTo>
+                    <a:pt x="72416" y="1362437"/>
+                  </a:lnTo>
+                  <a:lnTo>
+                    <a:pt x="91461" y="1426173"/>
+                  </a:lnTo>
+                  <a:lnTo>
+                    <a:pt x="112667" y="1489222"/>
+                  </a:lnTo>
+                  <a:lnTo>
+                    <a:pt x="136010" y="1551512"/>
+                  </a:lnTo>
+                  <a:lnTo>
+                    <a:pt x="161463" y="1612970"/>
+                  </a:lnTo>
+                  <a:lnTo>
+                    <a:pt x="188996" y="1673525"/>
+                  </a:lnTo>
+                  <a:lnTo>
+                    <a:pt x="218578" y="1733105"/>
+                  </a:lnTo>
+                  <a:lnTo>
+                    <a:pt x="250173" y="1791643"/>
+                  </a:lnTo>
+                  <a:lnTo>
+                    <a:pt x="283746" y="1849070"/>
+                  </a:lnTo>
+                  <a:lnTo>
+                    <a:pt x="319257" y="1905318"/>
+                  </a:lnTo>
+                  <a:lnTo>
+                    <a:pt x="356664" y="1960324"/>
+                  </a:lnTo>
+                  <a:lnTo>
+                    <a:pt x="395925" y="2014022"/>
+                  </a:lnTo>
+                  <a:lnTo>
+                    <a:pt x="449550" y="1973394"/>
+                  </a:lnTo>
+                  <a:lnTo>
+                    <a:pt x="503174" y="1932766"/>
+                  </a:lnTo>
+                  <a:lnTo>
+                    <a:pt x="556799" y="1892138"/>
+                  </a:lnTo>
+                  <a:lnTo>
+                    <a:pt x="610423" y="1851510"/>
+                  </a:lnTo>
+                  <a:lnTo>
+                    <a:pt x="664048" y="1810883"/>
+                  </a:lnTo>
+                  <a:lnTo>
+                    <a:pt x="717673" y="1770255"/>
+                  </a:lnTo>
+                  <a:lnTo>
+                    <a:pt x="771297" y="1729627"/>
+                  </a:lnTo>
+                  <a:lnTo>
+                    <a:pt x="824922" y="1688999"/>
+                  </a:lnTo>
+                  <a:lnTo>
+                    <a:pt x="878546" y="1648371"/>
+                  </a:lnTo>
+                  <a:lnTo>
+                    <a:pt x="932171" y="1607743"/>
+                  </a:lnTo>
+                  <a:lnTo>
+                    <a:pt x="985795" y="1567115"/>
+                  </a:lnTo>
+                  <a:lnTo>
+                    <a:pt x="1039420" y="1526487"/>
+                  </a:lnTo>
+                  <a:lnTo>
+                    <a:pt x="1093044" y="1485859"/>
+                  </a:lnTo>
+                  <a:lnTo>
+                    <a:pt x="1146669" y="1445232"/>
+                  </a:lnTo>
+                  <a:lnTo>
+                    <a:pt x="1200293" y="1404604"/>
+                  </a:lnTo>
+                  <a:lnTo>
+                    <a:pt x="1253918" y="1363976"/>
+                  </a:lnTo>
+                  <a:lnTo>
+                    <a:pt x="1307543" y="1323348"/>
+                  </a:lnTo>
+                  <a:lnTo>
+                    <a:pt x="1361167" y="1282720"/>
+                  </a:lnTo>
+                  <a:lnTo>
+                    <a:pt x="1414792" y="1242092"/>
+                  </a:lnTo>
+                  <a:lnTo>
+                    <a:pt x="1468416" y="1201464"/>
+                  </a:lnTo>
+                  <a:lnTo>
+                    <a:pt x="1522041" y="1160836"/>
+                  </a:lnTo>
+                  <a:lnTo>
+                    <a:pt x="1575665" y="1120208"/>
+                  </a:lnTo>
+                  <a:lnTo>
+                    <a:pt x="1629290" y="1079581"/>
+                  </a:lnTo>
+                  <a:lnTo>
+                    <a:pt x="1682914" y="1038953"/>
+                  </a:lnTo>
+                  <a:lnTo>
+                    <a:pt x="1736539" y="998325"/>
+                  </a:lnTo>
+                  <a:lnTo>
+                    <a:pt x="1790163" y="957697"/>
+                  </a:lnTo>
+                  <a:lnTo>
+                    <a:pt x="1843788" y="917069"/>
+                  </a:lnTo>
+                  <a:lnTo>
+                    <a:pt x="1897413" y="876441"/>
                   </a:lnTo>
                   <a:close/>
                 </a:path>
@@ -6197,270 +6251,270 @@
           </p:nvSpPr>
           <p:spPr>
             <a:xfrm>
-              <a:off x="3923585" y="2052899"/>
-              <a:ext cx="1874013" cy="2043767"/>
+              <a:off x="4034657" y="2020379"/>
+              <a:ext cx="1762941" cy="1922633"/>
             </a:xfrm>
             <a:custGeom>
               <a:avLst/>
               <a:pathLst>
-                <a:path w="1874013" h="2043767">
+                <a:path w="1762941" h="1922633">
                   <a:moveTo>
-                    <a:pt x="1874013" y="2043767"/>
+                    <a:pt x="1762941" y="1922633"/>
                   </a:moveTo>
                   <a:lnTo>
-                    <a:pt x="1861855" y="1973292"/>
-                  </a:lnTo>
-                  <a:lnTo>
-                    <a:pt x="1849696" y="1902817"/>
-                  </a:lnTo>
-                  <a:lnTo>
-                    <a:pt x="1837537" y="1832342"/>
-                  </a:lnTo>
-                  <a:lnTo>
-                    <a:pt x="1825379" y="1761868"/>
-                  </a:lnTo>
-                  <a:lnTo>
-                    <a:pt x="1813220" y="1691393"/>
-                  </a:lnTo>
-                  <a:lnTo>
-                    <a:pt x="1801061" y="1620918"/>
-                  </a:lnTo>
-                  <a:lnTo>
-                    <a:pt x="1788902" y="1550443"/>
-                  </a:lnTo>
-                  <a:lnTo>
-                    <a:pt x="1776744" y="1479969"/>
-                  </a:lnTo>
-                  <a:lnTo>
-                    <a:pt x="1764585" y="1409494"/>
-                  </a:lnTo>
-                  <a:lnTo>
-                    <a:pt x="1752426" y="1339019"/>
-                  </a:lnTo>
-                  <a:lnTo>
-                    <a:pt x="1740267" y="1268545"/>
-                  </a:lnTo>
-                  <a:lnTo>
-                    <a:pt x="1728109" y="1198070"/>
-                  </a:lnTo>
-                  <a:lnTo>
-                    <a:pt x="1715950" y="1127595"/>
-                  </a:lnTo>
-                  <a:lnTo>
-                    <a:pt x="1703791" y="1057120"/>
-                  </a:lnTo>
-                  <a:lnTo>
-                    <a:pt x="1691633" y="986646"/>
-                  </a:lnTo>
-                  <a:lnTo>
-                    <a:pt x="1679474" y="916171"/>
-                  </a:lnTo>
-                  <a:lnTo>
-                    <a:pt x="1667315" y="845696"/>
-                  </a:lnTo>
-                  <a:lnTo>
-                    <a:pt x="1655156" y="775221"/>
-                  </a:lnTo>
-                  <a:lnTo>
-                    <a:pt x="1642998" y="704747"/>
-                  </a:lnTo>
-                  <a:lnTo>
-                    <a:pt x="1630839" y="634272"/>
-                  </a:lnTo>
-                  <a:lnTo>
-                    <a:pt x="1618680" y="563797"/>
-                  </a:lnTo>
-                  <a:lnTo>
-                    <a:pt x="1606522" y="493323"/>
-                  </a:lnTo>
-                  <a:lnTo>
-                    <a:pt x="1594363" y="422848"/>
-                  </a:lnTo>
-                  <a:lnTo>
-                    <a:pt x="1582204" y="352373"/>
-                  </a:lnTo>
-                  <a:lnTo>
-                    <a:pt x="1570045" y="281898"/>
-                  </a:lnTo>
-                  <a:lnTo>
-                    <a:pt x="1557887" y="211424"/>
-                  </a:lnTo>
-                  <a:lnTo>
-                    <a:pt x="1545728" y="140949"/>
-                  </a:lnTo>
-                  <a:lnTo>
-                    <a:pt x="1533569" y="70474"/>
-                  </a:lnTo>
-                  <a:lnTo>
-                    <a:pt x="1521410" y="0"/>
-                  </a:lnTo>
-                  <a:lnTo>
-                    <a:pt x="1451760" y="13246"/>
-                  </a:lnTo>
-                  <a:lnTo>
-                    <a:pt x="1382603" y="28865"/>
-                  </a:lnTo>
-                  <a:lnTo>
-                    <a:pt x="1314020" y="46839"/>
-                  </a:lnTo>
-                  <a:lnTo>
-                    <a:pt x="1246091" y="67147"/>
-                  </a:lnTo>
-                  <a:lnTo>
-                    <a:pt x="1178896" y="89764"/>
-                  </a:lnTo>
-                  <a:lnTo>
-                    <a:pt x="1112514" y="114665"/>
-                  </a:lnTo>
-                  <a:lnTo>
-                    <a:pt x="1047022" y="141821"/>
-                  </a:lnTo>
-                  <a:lnTo>
-                    <a:pt x="982496" y="171199"/>
-                  </a:lnTo>
-                  <a:lnTo>
-                    <a:pt x="919011" y="202766"/>
-                  </a:lnTo>
-                  <a:lnTo>
-                    <a:pt x="856643" y="236484"/>
-                  </a:lnTo>
-                  <a:lnTo>
-                    <a:pt x="795464" y="272314"/>
-                  </a:lnTo>
-                  <a:lnTo>
-                    <a:pt x="735545" y="310214"/>
-                  </a:lnTo>
-                  <a:lnTo>
-                    <a:pt x="676957" y="350141"/>
-                  </a:lnTo>
-                  <a:lnTo>
-                    <a:pt x="619768" y="392046"/>
-                  </a:lnTo>
-                  <a:lnTo>
-                    <a:pt x="564044" y="435882"/>
-                  </a:lnTo>
-                  <a:lnTo>
-                    <a:pt x="509852" y="481596"/>
-                  </a:lnTo>
-                  <a:lnTo>
-                    <a:pt x="457253" y="529137"/>
-                  </a:lnTo>
-                  <a:lnTo>
-                    <a:pt x="406310" y="578447"/>
-                  </a:lnTo>
-                  <a:lnTo>
-                    <a:pt x="357083" y="629470"/>
-                  </a:lnTo>
-                  <a:lnTo>
-                    <a:pt x="309628" y="682146"/>
-                  </a:lnTo>
-                  <a:lnTo>
-                    <a:pt x="264001" y="736413"/>
-                  </a:lnTo>
-                  <a:lnTo>
-                    <a:pt x="220256" y="792207"/>
-                  </a:lnTo>
-                  <a:lnTo>
-                    <a:pt x="178444" y="849465"/>
-                  </a:lnTo>
-                  <a:lnTo>
-                    <a:pt x="138613" y="908118"/>
-                  </a:lnTo>
-                  <a:lnTo>
-                    <a:pt x="100810" y="968098"/>
-                  </a:lnTo>
-                  <a:lnTo>
-                    <a:pt x="65080" y="1029335"/>
-                  </a:lnTo>
-                  <a:lnTo>
-                    <a:pt x="31463" y="1091758"/>
-                  </a:lnTo>
-                  <a:lnTo>
-                    <a:pt x="0" y="1155293"/>
-                  </a:lnTo>
-                  <a:lnTo>
-                    <a:pt x="64621" y="1185930"/>
-                  </a:lnTo>
-                  <a:lnTo>
-                    <a:pt x="129242" y="1216567"/>
-                  </a:lnTo>
-                  <a:lnTo>
-                    <a:pt x="193863" y="1247204"/>
-                  </a:lnTo>
-                  <a:lnTo>
-                    <a:pt x="258484" y="1277841"/>
-                  </a:lnTo>
-                  <a:lnTo>
-                    <a:pt x="323105" y="1308478"/>
-                  </a:lnTo>
-                  <a:lnTo>
-                    <a:pt x="387727" y="1339115"/>
-                  </a:lnTo>
-                  <a:lnTo>
-                    <a:pt x="452348" y="1369752"/>
-                  </a:lnTo>
-                  <a:lnTo>
-                    <a:pt x="516969" y="1400389"/>
-                  </a:lnTo>
-                  <a:lnTo>
-                    <a:pt x="581590" y="1431026"/>
-                  </a:lnTo>
-                  <a:lnTo>
-                    <a:pt x="646211" y="1461664"/>
-                  </a:lnTo>
-                  <a:lnTo>
-                    <a:pt x="710832" y="1492301"/>
-                  </a:lnTo>
-                  <a:lnTo>
-                    <a:pt x="775454" y="1522938"/>
-                  </a:lnTo>
-                  <a:lnTo>
-                    <a:pt x="840075" y="1553575"/>
-                  </a:lnTo>
-                  <a:lnTo>
-                    <a:pt x="904696" y="1584212"/>
-                  </a:lnTo>
-                  <a:lnTo>
-                    <a:pt x="969317" y="1614849"/>
-                  </a:lnTo>
-                  <a:lnTo>
-                    <a:pt x="1033938" y="1645486"/>
-                  </a:lnTo>
-                  <a:lnTo>
-                    <a:pt x="1098559" y="1676123"/>
-                  </a:lnTo>
-                  <a:lnTo>
-                    <a:pt x="1163181" y="1706760"/>
-                  </a:lnTo>
-                  <a:lnTo>
-                    <a:pt x="1227802" y="1737397"/>
-                  </a:lnTo>
-                  <a:lnTo>
-                    <a:pt x="1292423" y="1768034"/>
-                  </a:lnTo>
-                  <a:lnTo>
-                    <a:pt x="1357044" y="1798671"/>
-                  </a:lnTo>
-                  <a:lnTo>
-                    <a:pt x="1421665" y="1829308"/>
-                  </a:lnTo>
-                  <a:lnTo>
-                    <a:pt x="1486286" y="1859945"/>
-                  </a:lnTo>
-                  <a:lnTo>
-                    <a:pt x="1550908" y="1890582"/>
-                  </a:lnTo>
-                  <a:lnTo>
-                    <a:pt x="1615529" y="1921219"/>
-                  </a:lnTo>
-                  <a:lnTo>
-                    <a:pt x="1680150" y="1951856"/>
-                  </a:lnTo>
-                  <a:lnTo>
-                    <a:pt x="1744771" y="1982493"/>
-                  </a:lnTo>
-                  <a:lnTo>
-                    <a:pt x="1809392" y="2013130"/>
+                    <a:pt x="1751503" y="1856336"/>
+                  </a:lnTo>
+                  <a:lnTo>
+                    <a:pt x="1740065" y="1790038"/>
+                  </a:lnTo>
+                  <a:lnTo>
+                    <a:pt x="1728627" y="1723740"/>
+                  </a:lnTo>
+                  <a:lnTo>
+                    <a:pt x="1717189" y="1657443"/>
+                  </a:lnTo>
+                  <a:lnTo>
+                    <a:pt x="1705751" y="1591145"/>
+                  </a:lnTo>
+                  <a:lnTo>
+                    <a:pt x="1694313" y="1524847"/>
+                  </a:lnTo>
+                  <a:lnTo>
+                    <a:pt x="1682875" y="1458549"/>
+                  </a:lnTo>
+                  <a:lnTo>
+                    <a:pt x="1671437" y="1392252"/>
+                  </a:lnTo>
+                  <a:lnTo>
+                    <a:pt x="1659999" y="1325954"/>
+                  </a:lnTo>
+                  <a:lnTo>
+                    <a:pt x="1648561" y="1259656"/>
+                  </a:lnTo>
+                  <a:lnTo>
+                    <a:pt x="1637123" y="1193358"/>
+                  </a:lnTo>
+                  <a:lnTo>
+                    <a:pt x="1625684" y="1127061"/>
+                  </a:lnTo>
+                  <a:lnTo>
+                    <a:pt x="1614246" y="1060763"/>
+                  </a:lnTo>
+                  <a:lnTo>
+                    <a:pt x="1602808" y="994465"/>
+                  </a:lnTo>
+                  <a:lnTo>
+                    <a:pt x="1591370" y="928168"/>
+                  </a:lnTo>
+                  <a:lnTo>
+                    <a:pt x="1579932" y="861870"/>
+                  </a:lnTo>
+                  <a:lnTo>
+                    <a:pt x="1568494" y="795572"/>
+                  </a:lnTo>
+                  <a:lnTo>
+                    <a:pt x="1557056" y="729274"/>
+                  </a:lnTo>
+                  <a:lnTo>
+                    <a:pt x="1545618" y="662977"/>
+                  </a:lnTo>
+                  <a:lnTo>
+                    <a:pt x="1534180" y="596679"/>
+                  </a:lnTo>
+                  <a:lnTo>
+                    <a:pt x="1522742" y="530381"/>
+                  </a:lnTo>
+                  <a:lnTo>
+                    <a:pt x="1511304" y="464084"/>
+                  </a:lnTo>
+                  <a:lnTo>
+                    <a:pt x="1499866" y="397786"/>
+                  </a:lnTo>
+                  <a:lnTo>
+                    <a:pt x="1488427" y="331488"/>
+                  </a:lnTo>
+                  <a:lnTo>
+                    <a:pt x="1476989" y="265190"/>
+                  </a:lnTo>
+                  <a:lnTo>
+                    <a:pt x="1465551" y="198893"/>
+                  </a:lnTo>
+                  <a:lnTo>
+                    <a:pt x="1454113" y="132595"/>
+                  </a:lnTo>
+                  <a:lnTo>
+                    <a:pt x="1442675" y="66297"/>
+                  </a:lnTo>
+                  <a:lnTo>
+                    <a:pt x="1431237" y="0"/>
+                  </a:lnTo>
+                  <a:lnTo>
+                    <a:pt x="1365715" y="12461"/>
+                  </a:lnTo>
+                  <a:lnTo>
+                    <a:pt x="1300656" y="27154"/>
+                  </a:lnTo>
+                  <a:lnTo>
+                    <a:pt x="1236138" y="44063"/>
+                  </a:lnTo>
+                  <a:lnTo>
+                    <a:pt x="1172236" y="63167"/>
+                  </a:lnTo>
+                  <a:lnTo>
+                    <a:pt x="1109024" y="84444"/>
+                  </a:lnTo>
+                  <a:lnTo>
+                    <a:pt x="1046576" y="107869"/>
+                  </a:lnTo>
+                  <a:lnTo>
+                    <a:pt x="984965" y="133415"/>
+                  </a:lnTo>
+                  <a:lnTo>
+                    <a:pt x="924263" y="161052"/>
+                  </a:lnTo>
+                  <a:lnTo>
+                    <a:pt x="864542" y="190748"/>
+                  </a:lnTo>
+                  <a:lnTo>
+                    <a:pt x="805870" y="222468"/>
+                  </a:lnTo>
+                  <a:lnTo>
+                    <a:pt x="748317" y="256174"/>
+                  </a:lnTo>
+                  <a:lnTo>
+                    <a:pt x="691950" y="291828"/>
+                  </a:lnTo>
+                  <a:lnTo>
+                    <a:pt x="636834" y="329388"/>
+                  </a:lnTo>
+                  <a:lnTo>
+                    <a:pt x="583035" y="368810"/>
+                  </a:lnTo>
+                  <a:lnTo>
+                    <a:pt x="530614" y="410047"/>
+                  </a:lnTo>
+                  <a:lnTo>
+                    <a:pt x="479633" y="453052"/>
+                  </a:lnTo>
+                  <a:lnTo>
+                    <a:pt x="430152" y="497775"/>
+                  </a:lnTo>
+                  <a:lnTo>
+                    <a:pt x="382229" y="544163"/>
+                  </a:lnTo>
+                  <a:lnTo>
+                    <a:pt x="335919" y="592162"/>
+                  </a:lnTo>
+                  <a:lnTo>
+                    <a:pt x="291277" y="641715"/>
+                  </a:lnTo>
+                  <a:lnTo>
+                    <a:pt x="248354" y="692766"/>
+                  </a:lnTo>
+                  <a:lnTo>
+                    <a:pt x="207202" y="745254"/>
+                  </a:lnTo>
+                  <a:lnTo>
+                    <a:pt x="167868" y="799117"/>
+                  </a:lnTo>
+                  <a:lnTo>
+                    <a:pt x="130397" y="854294"/>
+                  </a:lnTo>
+                  <a:lnTo>
+                    <a:pt x="94835" y="910719"/>
+                  </a:lnTo>
+                  <a:lnTo>
+                    <a:pt x="61222" y="968327"/>
+                  </a:lnTo>
+                  <a:lnTo>
+                    <a:pt x="29598" y="1027050"/>
+                  </a:lnTo>
+                  <a:lnTo>
+                    <a:pt x="0" y="1086820"/>
+                  </a:lnTo>
+                  <a:lnTo>
+                    <a:pt x="60791" y="1115641"/>
+                  </a:lnTo>
+                  <a:lnTo>
+                    <a:pt x="121582" y="1144462"/>
+                  </a:lnTo>
+                  <a:lnTo>
+                    <a:pt x="182373" y="1173283"/>
+                  </a:lnTo>
+                  <a:lnTo>
+                    <a:pt x="243164" y="1202104"/>
+                  </a:lnTo>
+                  <a:lnTo>
+                    <a:pt x="303955" y="1230925"/>
+                  </a:lnTo>
+                  <a:lnTo>
+                    <a:pt x="364746" y="1259747"/>
+                  </a:lnTo>
+                  <a:lnTo>
+                    <a:pt x="425537" y="1288568"/>
+                  </a:lnTo>
+                  <a:lnTo>
+                    <a:pt x="486328" y="1317389"/>
+                  </a:lnTo>
+                  <a:lnTo>
+                    <a:pt x="547119" y="1346210"/>
+                  </a:lnTo>
+                  <a:lnTo>
+                    <a:pt x="607911" y="1375031"/>
+                  </a:lnTo>
+                  <a:lnTo>
+                    <a:pt x="668702" y="1403852"/>
+                  </a:lnTo>
+                  <a:lnTo>
+                    <a:pt x="729493" y="1432674"/>
+                  </a:lnTo>
+                  <a:lnTo>
+                    <a:pt x="790284" y="1461495"/>
+                  </a:lnTo>
+                  <a:lnTo>
+                    <a:pt x="851075" y="1490316"/>
+                  </a:lnTo>
+                  <a:lnTo>
+                    <a:pt x="911866" y="1519137"/>
+                  </a:lnTo>
+                  <a:lnTo>
+                    <a:pt x="972657" y="1547958"/>
+                  </a:lnTo>
+                  <a:lnTo>
+                    <a:pt x="1033448" y="1576779"/>
+                  </a:lnTo>
+                  <a:lnTo>
+                    <a:pt x="1094239" y="1605601"/>
+                  </a:lnTo>
+                  <a:lnTo>
+                    <a:pt x="1155030" y="1634422"/>
+                  </a:lnTo>
+                  <a:lnTo>
+                    <a:pt x="1215822" y="1663243"/>
+                  </a:lnTo>
+                  <a:lnTo>
+                    <a:pt x="1276613" y="1692064"/>
+                  </a:lnTo>
+                  <a:lnTo>
+                    <a:pt x="1337404" y="1720885"/>
+                  </a:lnTo>
+                  <a:lnTo>
+                    <a:pt x="1398195" y="1749706"/>
+                  </a:lnTo>
+                  <a:lnTo>
+                    <a:pt x="1458986" y="1778528"/>
+                  </a:lnTo>
+                  <a:lnTo>
+                    <a:pt x="1519777" y="1807349"/>
+                  </a:lnTo>
+                  <a:lnTo>
+                    <a:pt x="1580568" y="1836170"/>
+                  </a:lnTo>
+                  <a:lnTo>
+                    <a:pt x="1641359" y="1864991"/>
+                  </a:lnTo>
+                  <a:lnTo>
+                    <a:pt x="1702150" y="1893812"/>
                   </a:lnTo>
                   <a:close/>
                 </a:path>
@@ -6495,195 +6549,195 @@
           </p:nvSpPr>
           <p:spPr>
             <a:xfrm>
-              <a:off x="5444996" y="2024194"/>
-              <a:ext cx="352602" cy="2072471"/>
+              <a:off x="5465895" y="1993376"/>
+              <a:ext cx="331704" cy="1949637"/>
             </a:xfrm>
             <a:custGeom>
               <a:avLst/>
               <a:pathLst>
-                <a:path w="352602" h="2072471">
+                <a:path w="331704" h="1949637">
                   <a:moveTo>
-                    <a:pt x="352602" y="2072471"/>
+                    <a:pt x="331704" y="1949637"/>
                   </a:moveTo>
                   <a:lnTo>
-                    <a:pt x="349893" y="2001007"/>
-                  </a:lnTo>
-                  <a:lnTo>
-                    <a:pt x="347184" y="1929542"/>
-                  </a:lnTo>
-                  <a:lnTo>
-                    <a:pt x="344475" y="1858078"/>
-                  </a:lnTo>
-                  <a:lnTo>
-                    <a:pt x="341765" y="1786613"/>
-                  </a:lnTo>
-                  <a:lnTo>
-                    <a:pt x="339056" y="1715149"/>
-                  </a:lnTo>
-                  <a:lnTo>
-                    <a:pt x="336347" y="1643684"/>
-                  </a:lnTo>
-                  <a:lnTo>
-                    <a:pt x="333638" y="1572220"/>
-                  </a:lnTo>
-                  <a:lnTo>
-                    <a:pt x="330928" y="1500755"/>
-                  </a:lnTo>
-                  <a:lnTo>
-                    <a:pt x="328219" y="1429290"/>
-                  </a:lnTo>
-                  <a:lnTo>
-                    <a:pt x="325510" y="1357826"/>
-                  </a:lnTo>
-                  <a:lnTo>
-                    <a:pt x="322800" y="1286361"/>
-                  </a:lnTo>
-                  <a:lnTo>
-                    <a:pt x="320091" y="1214897"/>
-                  </a:lnTo>
-                  <a:lnTo>
-                    <a:pt x="317382" y="1143432"/>
-                  </a:lnTo>
-                  <a:lnTo>
-                    <a:pt x="314673" y="1071968"/>
-                  </a:lnTo>
-                  <a:lnTo>
-                    <a:pt x="311963" y="1000503"/>
-                  </a:lnTo>
-                  <a:lnTo>
-                    <a:pt x="309254" y="929039"/>
-                  </a:lnTo>
-                  <a:lnTo>
-                    <a:pt x="306545" y="857574"/>
-                  </a:lnTo>
-                  <a:lnTo>
-                    <a:pt x="303835" y="786110"/>
-                  </a:lnTo>
-                  <a:lnTo>
-                    <a:pt x="301126" y="714645"/>
-                  </a:lnTo>
-                  <a:lnTo>
-                    <a:pt x="298417" y="643180"/>
-                  </a:lnTo>
-                  <a:lnTo>
-                    <a:pt x="295708" y="571716"/>
-                  </a:lnTo>
-                  <a:lnTo>
-                    <a:pt x="292998" y="500251"/>
-                  </a:lnTo>
-                  <a:lnTo>
-                    <a:pt x="290289" y="428787"/>
-                  </a:lnTo>
-                  <a:lnTo>
-                    <a:pt x="287580" y="357322"/>
-                  </a:lnTo>
-                  <a:lnTo>
-                    <a:pt x="284871" y="285858"/>
-                  </a:lnTo>
-                  <a:lnTo>
-                    <a:pt x="282161" y="214393"/>
-                  </a:lnTo>
-                  <a:lnTo>
-                    <a:pt x="279452" y="142929"/>
-                  </a:lnTo>
-                  <a:lnTo>
-                    <a:pt x="276743" y="71464"/>
-                  </a:lnTo>
-                  <a:lnTo>
-                    <a:pt x="274033" y="0"/>
-                  </a:lnTo>
-                  <a:lnTo>
-                    <a:pt x="182294" y="5515"/>
-                  </a:lnTo>
-                  <a:lnTo>
-                    <a:pt x="90890" y="15090"/>
-                  </a:lnTo>
-                  <a:lnTo>
-                    <a:pt x="0" y="28704"/>
-                  </a:lnTo>
-                  <a:lnTo>
-                    <a:pt x="12158" y="99179"/>
-                  </a:lnTo>
-                  <a:lnTo>
-                    <a:pt x="24317" y="169654"/>
-                  </a:lnTo>
-                  <a:lnTo>
-                    <a:pt x="36476" y="240128"/>
-                  </a:lnTo>
-                  <a:lnTo>
-                    <a:pt x="48634" y="310603"/>
-                  </a:lnTo>
-                  <a:lnTo>
-                    <a:pt x="60793" y="381078"/>
-                  </a:lnTo>
-                  <a:lnTo>
-                    <a:pt x="72952" y="451553"/>
-                  </a:lnTo>
-                  <a:lnTo>
-                    <a:pt x="85111" y="522027"/>
-                  </a:lnTo>
-                  <a:lnTo>
-                    <a:pt x="97269" y="592502"/>
-                  </a:lnTo>
-                  <a:lnTo>
-                    <a:pt x="109428" y="662977"/>
-                  </a:lnTo>
-                  <a:lnTo>
-                    <a:pt x="121587" y="733452"/>
-                  </a:lnTo>
-                  <a:lnTo>
-                    <a:pt x="133745" y="803926"/>
-                  </a:lnTo>
-                  <a:lnTo>
-                    <a:pt x="145904" y="874401"/>
-                  </a:lnTo>
-                  <a:lnTo>
-                    <a:pt x="158063" y="944876"/>
-                  </a:lnTo>
-                  <a:lnTo>
-                    <a:pt x="170222" y="1015350"/>
-                  </a:lnTo>
-                  <a:lnTo>
-                    <a:pt x="182380" y="1085825"/>
-                  </a:lnTo>
-                  <a:lnTo>
-                    <a:pt x="194539" y="1156300"/>
-                  </a:lnTo>
-                  <a:lnTo>
-                    <a:pt x="206698" y="1226775"/>
-                  </a:lnTo>
-                  <a:lnTo>
-                    <a:pt x="218857" y="1297249"/>
-                  </a:lnTo>
-                  <a:lnTo>
-                    <a:pt x="231015" y="1367724"/>
-                  </a:lnTo>
-                  <a:lnTo>
-                    <a:pt x="243174" y="1438199"/>
-                  </a:lnTo>
-                  <a:lnTo>
-                    <a:pt x="255333" y="1508674"/>
-                  </a:lnTo>
-                  <a:lnTo>
-                    <a:pt x="267491" y="1579148"/>
-                  </a:lnTo>
-                  <a:lnTo>
-                    <a:pt x="279650" y="1649623"/>
-                  </a:lnTo>
-                  <a:lnTo>
-                    <a:pt x="291809" y="1720098"/>
-                  </a:lnTo>
-                  <a:lnTo>
-                    <a:pt x="303968" y="1790572"/>
-                  </a:lnTo>
-                  <a:lnTo>
-                    <a:pt x="316126" y="1861047"/>
-                  </a:lnTo>
-                  <a:lnTo>
-                    <a:pt x="328285" y="1931522"/>
-                  </a:lnTo>
-                  <a:lnTo>
-                    <a:pt x="340444" y="2001997"/>
+                    <a:pt x="329155" y="1882408"/>
+                  </a:lnTo>
+                  <a:lnTo>
+                    <a:pt x="326606" y="1815179"/>
+                  </a:lnTo>
+                  <a:lnTo>
+                    <a:pt x="324058" y="1747950"/>
+                  </a:lnTo>
+                  <a:lnTo>
+                    <a:pt x="321509" y="1680721"/>
+                  </a:lnTo>
+                  <a:lnTo>
+                    <a:pt x="318960" y="1613492"/>
+                  </a:lnTo>
+                  <a:lnTo>
+                    <a:pt x="316412" y="1546264"/>
+                  </a:lnTo>
+                  <a:lnTo>
+                    <a:pt x="313863" y="1479035"/>
+                  </a:lnTo>
+                  <a:lnTo>
+                    <a:pt x="311314" y="1411806"/>
+                  </a:lnTo>
+                  <a:lnTo>
+                    <a:pt x="308766" y="1344577"/>
+                  </a:lnTo>
+                  <a:lnTo>
+                    <a:pt x="306217" y="1277348"/>
+                  </a:lnTo>
+                  <a:lnTo>
+                    <a:pt x="303668" y="1210119"/>
+                  </a:lnTo>
+                  <a:lnTo>
+                    <a:pt x="301119" y="1142890"/>
+                  </a:lnTo>
+                  <a:lnTo>
+                    <a:pt x="298571" y="1075661"/>
+                  </a:lnTo>
+                  <a:lnTo>
+                    <a:pt x="296022" y="1008433"/>
+                  </a:lnTo>
+                  <a:lnTo>
+                    <a:pt x="293473" y="941204"/>
+                  </a:lnTo>
+                  <a:lnTo>
+                    <a:pt x="290925" y="873975"/>
+                  </a:lnTo>
+                  <a:lnTo>
+                    <a:pt x="288376" y="806746"/>
+                  </a:lnTo>
+                  <a:lnTo>
+                    <a:pt x="285827" y="739517"/>
+                  </a:lnTo>
+                  <a:lnTo>
+                    <a:pt x="283279" y="672288"/>
+                  </a:lnTo>
+                  <a:lnTo>
+                    <a:pt x="280730" y="605059"/>
+                  </a:lnTo>
+                  <a:lnTo>
+                    <a:pt x="278181" y="537830"/>
+                  </a:lnTo>
+                  <a:lnTo>
+                    <a:pt x="275632" y="470602"/>
+                  </a:lnTo>
+                  <a:lnTo>
+                    <a:pt x="273084" y="403373"/>
+                  </a:lnTo>
+                  <a:lnTo>
+                    <a:pt x="270535" y="336144"/>
+                  </a:lnTo>
+                  <a:lnTo>
+                    <a:pt x="267986" y="268915"/>
+                  </a:lnTo>
+                  <a:lnTo>
+                    <a:pt x="265438" y="201686"/>
+                  </a:lnTo>
+                  <a:lnTo>
+                    <a:pt x="262889" y="134457"/>
+                  </a:lnTo>
+                  <a:lnTo>
+                    <a:pt x="260340" y="67228"/>
+                  </a:lnTo>
+                  <a:lnTo>
+                    <a:pt x="257792" y="0"/>
+                  </a:lnTo>
+                  <a:lnTo>
+                    <a:pt x="171490" y="5188"/>
+                  </a:lnTo>
+                  <a:lnTo>
+                    <a:pt x="85503" y="14195"/>
+                  </a:lnTo>
+                  <a:lnTo>
+                    <a:pt x="0" y="27003"/>
+                  </a:lnTo>
+                  <a:lnTo>
+                    <a:pt x="11438" y="93301"/>
+                  </a:lnTo>
+                  <a:lnTo>
+                    <a:pt x="22876" y="159598"/>
+                  </a:lnTo>
+                  <a:lnTo>
+                    <a:pt x="34314" y="225896"/>
+                  </a:lnTo>
+                  <a:lnTo>
+                    <a:pt x="45752" y="292194"/>
+                  </a:lnTo>
+                  <a:lnTo>
+                    <a:pt x="57190" y="358492"/>
+                  </a:lnTo>
+                  <a:lnTo>
+                    <a:pt x="68628" y="424789"/>
+                  </a:lnTo>
+                  <a:lnTo>
+                    <a:pt x="80066" y="491087"/>
+                  </a:lnTo>
+                  <a:lnTo>
+                    <a:pt x="91504" y="557385"/>
+                  </a:lnTo>
+                  <a:lnTo>
+                    <a:pt x="102942" y="623682"/>
+                  </a:lnTo>
+                  <a:lnTo>
+                    <a:pt x="114380" y="689980"/>
+                  </a:lnTo>
+                  <a:lnTo>
+                    <a:pt x="125818" y="756278"/>
+                  </a:lnTo>
+                  <a:lnTo>
+                    <a:pt x="137256" y="822576"/>
+                  </a:lnTo>
+                  <a:lnTo>
+                    <a:pt x="148695" y="888873"/>
+                  </a:lnTo>
+                  <a:lnTo>
+                    <a:pt x="160133" y="955171"/>
+                  </a:lnTo>
+                  <a:lnTo>
+                    <a:pt x="171571" y="1021469"/>
+                  </a:lnTo>
+                  <a:lnTo>
+                    <a:pt x="183009" y="1087766"/>
+                  </a:lnTo>
+                  <a:lnTo>
+                    <a:pt x="194447" y="1154064"/>
+                  </a:lnTo>
+                  <a:lnTo>
+                    <a:pt x="205885" y="1220362"/>
+                  </a:lnTo>
+                  <a:lnTo>
+                    <a:pt x="217323" y="1286660"/>
+                  </a:lnTo>
+                  <a:lnTo>
+                    <a:pt x="228761" y="1352957"/>
+                  </a:lnTo>
+                  <a:lnTo>
+                    <a:pt x="240199" y="1419255"/>
+                  </a:lnTo>
+                  <a:lnTo>
+                    <a:pt x="251637" y="1485553"/>
+                  </a:lnTo>
+                  <a:lnTo>
+                    <a:pt x="263075" y="1551851"/>
+                  </a:lnTo>
+                  <a:lnTo>
+                    <a:pt x="274513" y="1618148"/>
+                  </a:lnTo>
+                  <a:lnTo>
+                    <a:pt x="285952" y="1684446"/>
+                  </a:lnTo>
+                  <a:lnTo>
+                    <a:pt x="297390" y="1750744"/>
+                  </a:lnTo>
+                  <a:lnTo>
+                    <a:pt x="308828" y="1817041"/>
+                  </a:lnTo>
+                  <a:lnTo>
+                    <a:pt x="320266" y="1883339"/>
                   </a:lnTo>
                   <a:close/>
                 </a:path>
@@ -6718,189 +6772,189 @@
           </p:nvSpPr>
           <p:spPr>
             <a:xfrm>
-              <a:off x="5719030" y="2022706"/>
-              <a:ext cx="78569" cy="2073960"/>
+              <a:off x="5723687" y="1991975"/>
+              <a:ext cx="73912" cy="1951037"/>
             </a:xfrm>
             <a:custGeom>
               <a:avLst/>
               <a:pathLst>
-                <a:path w="78569" h="2073960">
+                <a:path w="73912" h="1951037">
                   <a:moveTo>
-                    <a:pt x="78569" y="2073960"/>
+                    <a:pt x="73912" y="1951037"/>
                   </a:moveTo>
                   <a:lnTo>
-                    <a:pt x="78569" y="2002444"/>
-                  </a:lnTo>
-                  <a:lnTo>
-                    <a:pt x="78569" y="1930928"/>
-                  </a:lnTo>
-                  <a:lnTo>
-                    <a:pt x="78569" y="1859412"/>
-                  </a:lnTo>
-                  <a:lnTo>
-                    <a:pt x="78569" y="1787897"/>
-                  </a:lnTo>
-                  <a:lnTo>
-                    <a:pt x="78569" y="1716381"/>
-                  </a:lnTo>
-                  <a:lnTo>
-                    <a:pt x="78569" y="1644865"/>
-                  </a:lnTo>
-                  <a:lnTo>
-                    <a:pt x="78569" y="1573349"/>
-                  </a:lnTo>
-                  <a:lnTo>
-                    <a:pt x="78569" y="1501833"/>
-                  </a:lnTo>
-                  <a:lnTo>
-                    <a:pt x="78569" y="1430317"/>
-                  </a:lnTo>
-                  <a:lnTo>
-                    <a:pt x="78569" y="1358801"/>
-                  </a:lnTo>
-                  <a:lnTo>
-                    <a:pt x="78569" y="1287285"/>
-                  </a:lnTo>
-                  <a:lnTo>
-                    <a:pt x="78569" y="1215770"/>
-                  </a:lnTo>
-                  <a:lnTo>
-                    <a:pt x="78569" y="1144254"/>
-                  </a:lnTo>
-                  <a:lnTo>
-                    <a:pt x="78569" y="1072738"/>
-                  </a:lnTo>
-                  <a:lnTo>
-                    <a:pt x="78569" y="1001222"/>
-                  </a:lnTo>
-                  <a:lnTo>
-                    <a:pt x="78569" y="929706"/>
-                  </a:lnTo>
-                  <a:lnTo>
-                    <a:pt x="78569" y="858190"/>
-                  </a:lnTo>
-                  <a:lnTo>
-                    <a:pt x="78569" y="786674"/>
-                  </a:lnTo>
-                  <a:lnTo>
-                    <a:pt x="78569" y="715158"/>
-                  </a:lnTo>
-                  <a:lnTo>
-                    <a:pt x="78569" y="643642"/>
-                  </a:lnTo>
-                  <a:lnTo>
-                    <a:pt x="78569" y="572127"/>
-                  </a:lnTo>
-                  <a:lnTo>
-                    <a:pt x="78569" y="500611"/>
-                  </a:lnTo>
-                  <a:lnTo>
-                    <a:pt x="78569" y="429095"/>
-                  </a:lnTo>
-                  <a:lnTo>
-                    <a:pt x="78569" y="357579"/>
-                  </a:lnTo>
-                  <a:lnTo>
-                    <a:pt x="78569" y="286063"/>
-                  </a:lnTo>
-                  <a:lnTo>
-                    <a:pt x="78569" y="214547"/>
-                  </a:lnTo>
-                  <a:lnTo>
-                    <a:pt x="78569" y="143031"/>
-                  </a:lnTo>
-                  <a:lnTo>
-                    <a:pt x="78569" y="71515"/>
-                  </a:lnTo>
-                  <a:lnTo>
-                    <a:pt x="78569" y="0"/>
-                  </a:lnTo>
-                  <a:lnTo>
-                    <a:pt x="0" y="1488"/>
-                  </a:lnTo>
-                  <a:lnTo>
-                    <a:pt x="2709" y="72953"/>
-                  </a:lnTo>
-                  <a:lnTo>
-                    <a:pt x="5418" y="144417"/>
-                  </a:lnTo>
-                  <a:lnTo>
-                    <a:pt x="8127" y="215882"/>
-                  </a:lnTo>
-                  <a:lnTo>
-                    <a:pt x="10837" y="287346"/>
-                  </a:lnTo>
-                  <a:lnTo>
-                    <a:pt x="13546" y="358811"/>
-                  </a:lnTo>
-                  <a:lnTo>
-                    <a:pt x="16255" y="430276"/>
-                  </a:lnTo>
-                  <a:lnTo>
-                    <a:pt x="18964" y="501740"/>
-                  </a:lnTo>
-                  <a:lnTo>
-                    <a:pt x="21674" y="573205"/>
-                  </a:lnTo>
-                  <a:lnTo>
-                    <a:pt x="24383" y="644669"/>
-                  </a:lnTo>
-                  <a:lnTo>
-                    <a:pt x="27092" y="716134"/>
-                  </a:lnTo>
-                  <a:lnTo>
-                    <a:pt x="29802" y="787598"/>
-                  </a:lnTo>
-                  <a:lnTo>
-                    <a:pt x="32511" y="859063"/>
-                  </a:lnTo>
-                  <a:lnTo>
-                    <a:pt x="35220" y="930527"/>
-                  </a:lnTo>
-                  <a:lnTo>
-                    <a:pt x="37929" y="1001992"/>
-                  </a:lnTo>
-                  <a:lnTo>
-                    <a:pt x="40639" y="1073456"/>
-                  </a:lnTo>
-                  <a:lnTo>
-                    <a:pt x="43348" y="1144921"/>
-                  </a:lnTo>
-                  <a:lnTo>
-                    <a:pt x="46057" y="1216386"/>
-                  </a:lnTo>
-                  <a:lnTo>
-                    <a:pt x="48767" y="1287850"/>
-                  </a:lnTo>
-                  <a:lnTo>
-                    <a:pt x="51476" y="1359315"/>
-                  </a:lnTo>
-                  <a:lnTo>
-                    <a:pt x="54185" y="1430779"/>
-                  </a:lnTo>
-                  <a:lnTo>
-                    <a:pt x="56894" y="1502244"/>
-                  </a:lnTo>
-                  <a:lnTo>
-                    <a:pt x="59604" y="1573708"/>
-                  </a:lnTo>
-                  <a:lnTo>
-                    <a:pt x="62313" y="1645173"/>
-                  </a:lnTo>
-                  <a:lnTo>
-                    <a:pt x="65022" y="1716637"/>
-                  </a:lnTo>
-                  <a:lnTo>
-                    <a:pt x="67731" y="1788102"/>
-                  </a:lnTo>
-                  <a:lnTo>
-                    <a:pt x="70441" y="1859567"/>
-                  </a:lnTo>
-                  <a:lnTo>
-                    <a:pt x="73150" y="1931031"/>
-                  </a:lnTo>
-                  <a:lnTo>
-                    <a:pt x="75859" y="2002496"/>
+                    <a:pt x="73912" y="1883760"/>
+                  </a:lnTo>
+                  <a:lnTo>
+                    <a:pt x="73912" y="1816483"/>
+                  </a:lnTo>
+                  <a:lnTo>
+                    <a:pt x="73912" y="1749206"/>
+                  </a:lnTo>
+                  <a:lnTo>
+                    <a:pt x="73912" y="1681929"/>
+                  </a:lnTo>
+                  <a:lnTo>
+                    <a:pt x="73912" y="1614652"/>
+                  </a:lnTo>
+                  <a:lnTo>
+                    <a:pt x="73912" y="1547374"/>
+                  </a:lnTo>
+                  <a:lnTo>
+                    <a:pt x="73912" y="1480097"/>
+                  </a:lnTo>
+                  <a:lnTo>
+                    <a:pt x="73912" y="1412820"/>
+                  </a:lnTo>
+                  <a:lnTo>
+                    <a:pt x="73912" y="1345543"/>
+                  </a:lnTo>
+                  <a:lnTo>
+                    <a:pt x="73912" y="1278266"/>
+                  </a:lnTo>
+                  <a:lnTo>
+                    <a:pt x="73912" y="1210989"/>
+                  </a:lnTo>
+                  <a:lnTo>
+                    <a:pt x="73912" y="1143711"/>
+                  </a:lnTo>
+                  <a:lnTo>
+                    <a:pt x="73912" y="1076434"/>
+                  </a:lnTo>
+                  <a:lnTo>
+                    <a:pt x="73912" y="1009157"/>
+                  </a:lnTo>
+                  <a:lnTo>
+                    <a:pt x="73912" y="941880"/>
+                  </a:lnTo>
+                  <a:lnTo>
+                    <a:pt x="73912" y="874603"/>
+                  </a:lnTo>
+                  <a:lnTo>
+                    <a:pt x="73912" y="807326"/>
+                  </a:lnTo>
+                  <a:lnTo>
+                    <a:pt x="73912" y="740048"/>
+                  </a:lnTo>
+                  <a:lnTo>
+                    <a:pt x="73912" y="672771"/>
+                  </a:lnTo>
+                  <a:lnTo>
+                    <a:pt x="73912" y="605494"/>
+                  </a:lnTo>
+                  <a:lnTo>
+                    <a:pt x="73912" y="538217"/>
+                  </a:lnTo>
+                  <a:lnTo>
+                    <a:pt x="73912" y="470940"/>
+                  </a:lnTo>
+                  <a:lnTo>
+                    <a:pt x="73912" y="403663"/>
+                  </a:lnTo>
+                  <a:lnTo>
+                    <a:pt x="73912" y="336385"/>
+                  </a:lnTo>
+                  <a:lnTo>
+                    <a:pt x="73912" y="269108"/>
+                  </a:lnTo>
+                  <a:lnTo>
+                    <a:pt x="73912" y="201831"/>
+                  </a:lnTo>
+                  <a:lnTo>
+                    <a:pt x="73912" y="134554"/>
+                  </a:lnTo>
+                  <a:lnTo>
+                    <a:pt x="73912" y="67277"/>
+                  </a:lnTo>
+                  <a:lnTo>
+                    <a:pt x="73912" y="0"/>
+                  </a:lnTo>
+                  <a:lnTo>
+                    <a:pt x="0" y="1400"/>
+                  </a:lnTo>
+                  <a:lnTo>
+                    <a:pt x="2548" y="68629"/>
+                  </a:lnTo>
+                  <a:lnTo>
+                    <a:pt x="5097" y="135858"/>
+                  </a:lnTo>
+                  <a:lnTo>
+                    <a:pt x="7646" y="203087"/>
+                  </a:lnTo>
+                  <a:lnTo>
+                    <a:pt x="10194" y="270316"/>
+                  </a:lnTo>
+                  <a:lnTo>
+                    <a:pt x="12743" y="337544"/>
+                  </a:lnTo>
+                  <a:lnTo>
+                    <a:pt x="15292" y="404773"/>
+                  </a:lnTo>
+                  <a:lnTo>
+                    <a:pt x="17840" y="472002"/>
+                  </a:lnTo>
+                  <a:lnTo>
+                    <a:pt x="20389" y="539231"/>
+                  </a:lnTo>
+                  <a:lnTo>
+                    <a:pt x="22938" y="606460"/>
+                  </a:lnTo>
+                  <a:lnTo>
+                    <a:pt x="25487" y="673689"/>
+                  </a:lnTo>
+                  <a:lnTo>
+                    <a:pt x="28035" y="740918"/>
+                  </a:lnTo>
+                  <a:lnTo>
+                    <a:pt x="30584" y="808147"/>
+                  </a:lnTo>
+                  <a:lnTo>
+                    <a:pt x="33133" y="875375"/>
+                  </a:lnTo>
+                  <a:lnTo>
+                    <a:pt x="35681" y="942604"/>
+                  </a:lnTo>
+                  <a:lnTo>
+                    <a:pt x="38230" y="1009833"/>
+                  </a:lnTo>
+                  <a:lnTo>
+                    <a:pt x="40779" y="1077062"/>
+                  </a:lnTo>
+                  <a:lnTo>
+                    <a:pt x="43327" y="1144291"/>
+                  </a:lnTo>
+                  <a:lnTo>
+                    <a:pt x="45876" y="1211520"/>
+                  </a:lnTo>
+                  <a:lnTo>
+                    <a:pt x="48425" y="1278749"/>
+                  </a:lnTo>
+                  <a:lnTo>
+                    <a:pt x="50974" y="1345978"/>
+                  </a:lnTo>
+                  <a:lnTo>
+                    <a:pt x="53522" y="1413206"/>
+                  </a:lnTo>
+                  <a:lnTo>
+                    <a:pt x="56071" y="1480435"/>
+                  </a:lnTo>
+                  <a:lnTo>
+                    <a:pt x="58620" y="1547664"/>
+                  </a:lnTo>
+                  <a:lnTo>
+                    <a:pt x="61168" y="1614893"/>
+                  </a:lnTo>
+                  <a:lnTo>
+                    <a:pt x="63717" y="1682122"/>
+                  </a:lnTo>
+                  <a:lnTo>
+                    <a:pt x="66266" y="1749351"/>
+                  </a:lnTo>
+                  <a:lnTo>
+                    <a:pt x="68814" y="1816580"/>
+                  </a:lnTo>
+                  <a:lnTo>
+                    <a:pt x="71363" y="1883809"/>
                   </a:lnTo>
                   <a:close/>
                 </a:path>
@@ -6935,7 +6989,7 @@
           </p:nvSpPr>
           <p:spPr>
             <a:xfrm>
-              <a:off x="6576659" y="3844431"/>
+              <a:off x="6495084" y="3698589"/>
               <a:ext cx="1194568" cy="202257"/>
             </a:xfrm>
             <a:prstGeom prst="rect">
@@ -6981,7 +7035,7 @@
           </p:nvSpPr>
           <p:spPr>
             <a:xfrm>
-              <a:off x="5460741" y="5320371"/>
+              <a:off x="5441538" y="5087050"/>
               <a:ext cx="1321705" cy="202257"/>
             </a:xfrm>
             <a:prstGeom prst="rect">
@@ -7027,7 +7081,7 @@
           </p:nvSpPr>
           <p:spPr>
             <a:xfrm>
-              <a:off x="4832818" y="5231619"/>
+              <a:off x="4871354" y="5005643"/>
               <a:ext cx="629208" cy="167096"/>
             </a:xfrm>
             <a:prstGeom prst="rect">
@@ -7073,7 +7127,7 @@
           </p:nvSpPr>
           <p:spPr>
             <a:xfrm>
-              <a:off x="4502489" y="4986222"/>
+              <a:off x="4560603" y="4774791"/>
               <a:ext cx="629208" cy="167096"/>
             </a:xfrm>
             <a:prstGeom prst="rect">
@@ -7119,7 +7173,7 @@
           </p:nvSpPr>
           <p:spPr>
             <a:xfrm>
-              <a:off x="3761409" y="4118150"/>
+              <a:off x="3842925" y="3956085"/>
               <a:ext cx="1321705" cy="202257"/>
             </a:xfrm>
             <a:prstGeom prst="rect">
@@ -7165,7 +7219,7 @@
           </p:nvSpPr>
           <p:spPr>
             <a:xfrm>
-              <a:off x="4364151" y="2875080"/>
+              <a:off x="4413710" y="2786691"/>
               <a:ext cx="1194568" cy="202257"/>
             </a:xfrm>
             <a:prstGeom prst="rect">
@@ -7211,7 +7265,7 @@
           </p:nvSpPr>
           <p:spPr>
             <a:xfrm>
-              <a:off x="5632400" y="1672824"/>
+              <a:off x="5632400" y="1657459"/>
               <a:ext cx="330398" cy="172454"/>
             </a:xfrm>
             <a:prstGeom prst="rect">
@@ -7257,7 +7311,7 @@
           </p:nvSpPr>
           <p:spPr>
             <a:xfrm>
-              <a:off x="6940256" y="2118427"/>
+              <a:off x="6858972" y="2076651"/>
               <a:ext cx="457534" cy="172454"/>
             </a:xfrm>
             <a:prstGeom prst="rect">
@@ -7303,7 +7357,7 @@
           </p:nvSpPr>
           <p:spPr>
             <a:xfrm>
-              <a:off x="7269665" y="5603219"/>
+              <a:off x="7168858" y="5354901"/>
               <a:ext cx="457534" cy="172454"/>
             </a:xfrm>
             <a:prstGeom prst="rect">
@@ -7349,7 +7403,7 @@
           </p:nvSpPr>
           <p:spPr>
             <a:xfrm>
-              <a:off x="4847831" y="6225041"/>
+              <a:off x="4890565" y="5939867"/>
               <a:ext cx="457534" cy="172454"/>
             </a:xfrm>
             <a:prstGeom prst="rect">
@@ -7395,7 +7449,7 @@
           </p:nvSpPr>
           <p:spPr>
             <a:xfrm>
-              <a:off x="4197408" y="5893633"/>
+              <a:off x="4278691" y="5628102"/>
               <a:ext cx="457534" cy="172454"/>
             </a:xfrm>
             <a:prstGeom prst="rect">
@@ -7441,7 +7495,7 @@
           </p:nvSpPr>
           <p:spPr>
             <a:xfrm>
-              <a:off x="3681229" y="5377454"/>
+              <a:off x="3793106" y="5142517"/>
               <a:ext cx="457534" cy="172454"/>
             </a:xfrm>
             <a:prstGeom prst="rect">
@@ -7487,7 +7541,7 @@
           </p:nvSpPr>
           <p:spPr>
             <a:xfrm>
-              <a:off x="3457684" y="3012599"/>
+              <a:off x="3582811" y="2917826"/>
               <a:ext cx="457534" cy="172454"/>
             </a:xfrm>
             <a:prstGeom prst="rect">
@@ -7533,7 +7587,7 @@
           </p:nvSpPr>
           <p:spPr>
             <a:xfrm>
-              <a:off x="5131632" y="1714152"/>
+              <a:off x="5157545" y="1696337"/>
               <a:ext cx="457534" cy="172454"/>
             </a:xfrm>
             <a:prstGeom prst="rect">
@@ -7579,7 +7633,7 @@
           </p:nvSpPr>
           <p:spPr>
             <a:xfrm>
-              <a:off x="8503923" y="3722112"/>
+              <a:off x="8350269" y="3568459"/>
               <a:ext cx="741461" cy="749108"/>
             </a:xfrm>
             <a:prstGeom prst="rect">
@@ -7605,7 +7659,7 @@
           </p:nvSpPr>
           <p:spPr>
             <a:xfrm>
-              <a:off x="8503923" y="3698058"/>
+              <a:off x="8350269" y="3544404"/>
               <a:ext cx="406747" cy="211745"/>
             </a:xfrm>
             <a:prstGeom prst="rect">
@@ -7651,7 +7705,7 @@
           </p:nvSpPr>
           <p:spPr>
             <a:xfrm>
-              <a:off x="8503923" y="4047730"/>
+              <a:off x="8350269" y="3894077"/>
               <a:ext cx="182879" cy="211745"/>
             </a:xfrm>
             <a:prstGeom prst="rect">
@@ -7677,7 +7731,7 @@
           </p:nvSpPr>
           <p:spPr>
             <a:xfrm>
-              <a:off x="8508668" y="4052475"/>
+              <a:off x="8355014" y="3898821"/>
               <a:ext cx="173390" cy="202255"/>
             </a:xfrm>
             <a:prstGeom prst="rect">
@@ -7712,7 +7766,7 @@
           </p:nvSpPr>
           <p:spPr>
             <a:xfrm>
-              <a:off x="8503923" y="4259475"/>
+              <a:off x="8350269" y="4105822"/>
               <a:ext cx="182879" cy="211745"/>
             </a:xfrm>
             <a:prstGeom prst="rect">
@@ -7738,7 +7792,7 @@
           </p:nvSpPr>
           <p:spPr>
             <a:xfrm>
-              <a:off x="8508668" y="4264220"/>
+              <a:off x="8355014" y="4110567"/>
               <a:ext cx="173390" cy="202255"/>
             </a:xfrm>
             <a:prstGeom prst="rect">
@@ -7773,7 +7827,7 @@
           </p:nvSpPr>
           <p:spPr>
             <a:xfrm>
-              <a:off x="8800676" y="4071226"/>
+              <a:off x="8647022" y="3917573"/>
               <a:ext cx="387771" cy="164194"/>
             </a:xfrm>
             <a:prstGeom prst="rect">
@@ -7819,7 +7873,7 @@
           </p:nvSpPr>
           <p:spPr>
             <a:xfrm>
-              <a:off x="8800676" y="4282972"/>
+              <a:off x="8647022" y="4129318"/>
               <a:ext cx="387771" cy="164194"/>
             </a:xfrm>
             <a:prstGeom prst="rect">
@@ -7853,6 +7907,52 @@
                   <a:cs typeface="Arial"/>
                 </a:rPr>
                 <a:t>55+</a:t>
+              </a:r>
+            </a:p>
+          </p:txBody>
+        </p:sp>
+        <p:sp>
+          <p:nvSpPr>
+            <p:cNvPr id="40" name="tx38"/>
+            <p:cNvSpPr/>
+            <p:nvPr/>
+          </p:nvSpPr>
+          <p:spPr>
+            <a:xfrm>
+              <a:off x="3301865" y="6695431"/>
+              <a:ext cx="2094457" cy="117580"/>
+            </a:xfrm>
+            <a:prstGeom prst="rect">
+              <a:avLst/>
+            </a:prstGeom>
+            <a:noFill/>
+          </p:spPr>
+          <p:txBody>
+            <a:bodyPr lIns="0" rIns="0" tIns="0" bIns="0" anchorCtr="1" anchor="ctr" wrap="none"/>
+            <a:lstStyle/>
+            <a:p>
+              <a:pPr algn="l" marL="0" marR="0" indent="0">
+                <a:lnSpc>
+                  <a:spcPts val="999"/>
+                </a:lnSpc>
+                <a:spcBef>
+                  <a:spcPts val="0"/>
+                </a:spcBef>
+                <a:spcAft>
+                  <a:spcPts val="0"/>
+                </a:spcAft>
+              </a:pPr>
+              <a:r>
+                <a:rPr sz="999" i="1">
+                  <a:solidFill>
+                    <a:srgbClr val="000000">
+                      <a:alpha val="100000"/>
+                    </a:srgbClr>
+                  </a:solidFill>
+                  <a:latin typeface="Arial"/>
+                  <a:cs typeface="Arial"/>
+                </a:rPr>
+                <a:t>Source: ATO 2017-18 2% sample file</a:t>
               </a:r>
             </a:p>
           </p:txBody>
